--- a/年终总结/软件开发部-个人年终总结-2023年-李伟鑫.pptx
+++ b/年终总结/软件开发部-个人年终总结-2023年-李伟鑫.pptx
@@ -5,23 +5,28 @@
     <p:sldMasterId id="2147483648" r:id="rId1"/>
   </p:sldMasterIdLst>
   <p:notesMasterIdLst>
-    <p:notesMasterId r:id="rId9"/>
+    <p:notesMasterId r:id="rId6"/>
   </p:notesMasterIdLst>
   <p:handoutMasterIdLst>
-    <p:handoutMasterId r:id="rId10"/>
+    <p:handoutMasterId r:id="rId15"/>
   </p:handoutMasterIdLst>
   <p:sldIdLst>
     <p:sldId id="340" r:id="rId3"/>
     <p:sldId id="333" r:id="rId4"/>
-    <p:sldId id="339" r:id="rId5"/>
-    <p:sldId id="338" r:id="rId6"/>
-    <p:sldId id="341" r:id="rId7"/>
-    <p:sldId id="342" r:id="rId8"/>
+    <p:sldId id="357" r:id="rId5"/>
+    <p:sldId id="339" r:id="rId7"/>
+    <p:sldId id="364" r:id="rId8"/>
+    <p:sldId id="365" r:id="rId9"/>
+    <p:sldId id="366" r:id="rId10"/>
+    <p:sldId id="352" r:id="rId11"/>
+    <p:sldId id="338" r:id="rId12"/>
+    <p:sldId id="341" r:id="rId13"/>
+    <p:sldId id="342" r:id="rId14"/>
   </p:sldIdLst>
   <p:sldSz cx="12192000" cy="6858000"/>
   <p:notesSz cx="6808470" cy="9942195"/>
   <p:custDataLst>
-    <p:tags r:id="rId14"/>
+    <p:tags r:id="rId19"/>
   </p:custDataLst>
   <p:defaultTextStyle>
     <a:defPPr>
@@ -624,6 +629,94 @@
     </a:lvl9pPr>
   </p:notesStyle>
 </p:notesMaster>
+</file>
+
+<file path=ppt/notesSlides/notesSlide1.xml><?xml version="1.0" encoding="utf-8"?>
+<p:notes xmlns:a="http://schemas.openxmlformats.org/drawingml/2006/main" xmlns:r="http://schemas.openxmlformats.org/officeDocument/2006/relationships" xmlns:p="http://schemas.openxmlformats.org/presentationml/2006/main">
+  <p:cSld>
+    <p:spTree>
+      <p:nvGrpSpPr>
+        <p:cNvPr id="1" name=""/>
+        <p:cNvGrpSpPr/>
+        <p:nvPr/>
+      </p:nvGrpSpPr>
+      <p:grpSpPr/>
+      <p:sp>
+        <p:nvSpPr>
+          <p:cNvPr id="2" name="幻灯片图像占位符 1"/>
+          <p:cNvSpPr/>
+          <p:nvPr>
+            <p:ph type="sldImg" idx="2"/>
+          </p:nvPr>
+        </p:nvSpPr>
+        <p:spPr/>
+      </p:sp>
+      <p:sp>
+        <p:nvSpPr>
+          <p:cNvPr id="3" name="文本占位符 2"/>
+          <p:cNvSpPr/>
+          <p:nvPr>
+            <p:ph type="body" idx="3"/>
+          </p:nvPr>
+        </p:nvSpPr>
+        <p:spPr/>
+        <p:txBody>
+          <a:bodyPr/>
+          <a:p>
+            <a:endParaRPr lang="zh-CN" altLang="en-US"/>
+          </a:p>
+        </p:txBody>
+      </p:sp>
+    </p:spTree>
+  </p:cSld>
+  <p:clrMapOvr>
+    <a:masterClrMapping/>
+  </p:clrMapOvr>
+</p:notes>
+</file>
+
+<file path=ppt/notesSlides/notesSlide2.xml><?xml version="1.0" encoding="utf-8"?>
+<p:notes xmlns:a="http://schemas.openxmlformats.org/drawingml/2006/main" xmlns:r="http://schemas.openxmlformats.org/officeDocument/2006/relationships" xmlns:p="http://schemas.openxmlformats.org/presentationml/2006/main">
+  <p:cSld>
+    <p:spTree>
+      <p:nvGrpSpPr>
+        <p:cNvPr id="1" name=""/>
+        <p:cNvGrpSpPr/>
+        <p:nvPr/>
+      </p:nvGrpSpPr>
+      <p:grpSpPr/>
+      <p:sp>
+        <p:nvSpPr>
+          <p:cNvPr id="2" name="幻灯片图像占位符 1"/>
+          <p:cNvSpPr/>
+          <p:nvPr>
+            <p:ph type="sldImg" idx="2"/>
+          </p:nvPr>
+        </p:nvSpPr>
+        <p:spPr/>
+      </p:sp>
+      <p:sp>
+        <p:nvSpPr>
+          <p:cNvPr id="3" name="文本占位符 2"/>
+          <p:cNvSpPr/>
+          <p:nvPr>
+            <p:ph type="body" idx="3"/>
+          </p:nvPr>
+        </p:nvSpPr>
+        <p:spPr/>
+        <p:txBody>
+          <a:bodyPr/>
+          <a:p>
+            <a:endParaRPr lang="zh-CN" altLang="en-US"/>
+          </a:p>
+        </p:txBody>
+      </p:sp>
+    </p:spTree>
+  </p:cSld>
+  <p:clrMapOvr>
+    <a:masterClrMapping/>
+  </p:clrMapOvr>
+</p:notes>
 </file>
 
 <file path=ppt/slideLayouts/slideLayout1.xml><?xml version="1.0" encoding="utf-8"?>
@@ -1722,6 +1815,113 @@
 </p:sldLayout>
 </file>
 
+<file path=ppt/slideLayouts/slideLayout5.xml><?xml version="1.0" encoding="utf-8"?>
+<p:sldLayout xmlns:a="http://schemas.openxmlformats.org/drawingml/2006/main" xmlns:r="http://schemas.openxmlformats.org/officeDocument/2006/relationships" xmlns:p="http://schemas.openxmlformats.org/presentationml/2006/main" type="blank" preserve="1">
+  <p:cSld name="空白">
+    <p:spTree>
+      <p:nvGrpSpPr>
+        <p:cNvPr id="1" name=""/>
+        <p:cNvGrpSpPr/>
+        <p:nvPr/>
+      </p:nvGrpSpPr>
+      <p:grpSpPr>
+        <a:xfrm>
+          <a:off x="0" y="0"/>
+          <a:ext cx="0" cy="0"/>
+          <a:chOff x="0" y="0"/>
+          <a:chExt cx="0" cy="0"/>
+        </a:xfrm>
+      </p:grpSpPr>
+      <p:sp>
+        <p:nvSpPr>
+          <p:cNvPr id="2" name="日期占位符 1"/>
+          <p:cNvSpPr>
+            <a:spLocks noGrp="1"/>
+          </p:cNvSpPr>
+          <p:nvPr>
+            <p:ph type="dt" sz="half" idx="10"/>
+            <p:custDataLst>
+              <p:tags r:id="rId2"/>
+            </p:custDataLst>
+          </p:nvPr>
+        </p:nvSpPr>
+        <p:spPr>
+          <a:xfrm>
+            <a:off x="1129525" y="7265630"/>
+            <a:ext cx="2700000" cy="316800"/>
+          </a:xfrm>
+        </p:spPr>
+        <p:txBody>
+          <a:bodyPr/>
+          <a:lstStyle/>
+          <a:p>
+            <a:fld id="{760FBDFE-C587-4B4C-A407-44438C67B59E}" type="datetimeFigureOut">
+              <a:rPr lang="zh-CN" altLang="en-US" smtClean="0"/>
+            </a:fld>
+            <a:endParaRPr lang="zh-CN" altLang="en-US"/>
+          </a:p>
+        </p:txBody>
+      </p:sp>
+      <p:sp>
+        <p:nvSpPr>
+          <p:cNvPr id="3" name="页脚占位符 2"/>
+          <p:cNvSpPr>
+            <a:spLocks noGrp="1"/>
+          </p:cNvSpPr>
+          <p:nvPr>
+            <p:ph type="ftr" sz="quarter" idx="11"/>
+            <p:custDataLst>
+              <p:tags r:id="rId3"/>
+            </p:custDataLst>
+          </p:nvPr>
+        </p:nvSpPr>
+        <p:spPr>
+          <a:xfrm>
+            <a:off x="4633525" y="7265630"/>
+            <a:ext cx="3960000" cy="316800"/>
+          </a:xfrm>
+        </p:spPr>
+        <p:txBody>
+          <a:bodyPr/>
+          <a:lstStyle/>
+          <a:p>
+            <a:endParaRPr lang="zh-CN" altLang="en-US"/>
+          </a:p>
+        </p:txBody>
+      </p:sp>
+      <p:sp>
+        <p:nvSpPr>
+          <p:cNvPr id="4" name="灯片编号占位符 3"/>
+          <p:cNvSpPr>
+            <a:spLocks noGrp="1"/>
+          </p:cNvSpPr>
+          <p:nvPr>
+            <p:ph type="sldNum" sz="quarter" idx="12"/>
+            <p:custDataLst>
+              <p:tags r:id="rId4"/>
+            </p:custDataLst>
+          </p:nvPr>
+        </p:nvSpPr>
+        <p:spPr/>
+        <p:txBody>
+          <a:bodyPr/>
+          <a:lstStyle/>
+          <a:p>
+            <a:fld id="{49AE70B2-8BF9-45C0-BB95-33D1B9D3A854}" type="slidenum">
+              <a:rPr lang="zh-CN" altLang="en-US" smtClean="0"/>
+            </a:fld>
+            <a:endParaRPr lang="zh-CN" altLang="en-US"/>
+          </a:p>
+        </p:txBody>
+      </p:sp>
+    </p:spTree>
+  </p:cSld>
+  <p:clrMapOvr>
+    <a:masterClrMapping/>
+  </p:clrMapOvr>
+</p:sldLayout>
+</file>
+
 <file path=ppt/slideMasters/slideMaster1.xml><?xml version="1.0" encoding="utf-8"?>
 <p:sldMaster xmlns:a="http://schemas.openxmlformats.org/drawingml/2006/main" xmlns:r="http://schemas.openxmlformats.org/officeDocument/2006/relationships" xmlns:p="http://schemas.openxmlformats.org/presentationml/2006/main" preserve="1">
   <p:cSld>
@@ -1795,6 +1995,7 @@
     <p:sldLayoutId id="2147483650" r:id="rId2"/>
     <p:sldLayoutId id="2147483651" r:id="rId3"/>
     <p:sldLayoutId id="2147483652" r:id="rId4"/>
+    <p:sldLayoutId id="2147483653" r:id="rId5"/>
   </p:sldLayoutIdLst>
   <p:hf hdr="0" ftr="0" dt="0"/>
   <p:txStyles>
@@ -2325,6 +2526,456 @@
 </p:sld>
 </file>
 
+<file path=ppt/slides/slide10.xml><?xml version="1.0" encoding="utf-8"?>
+<p:sld xmlns:a="http://schemas.openxmlformats.org/drawingml/2006/main" xmlns:r="http://schemas.openxmlformats.org/officeDocument/2006/relationships" xmlns:p="http://schemas.openxmlformats.org/presentationml/2006/main" show="0">
+  <p:cSld>
+    <p:spTree>
+      <p:nvGrpSpPr>
+        <p:cNvPr id="1" name=""/>
+        <p:cNvGrpSpPr/>
+        <p:nvPr/>
+      </p:nvGrpSpPr>
+      <p:grpSpPr>
+        <a:xfrm>
+          <a:off x="0" y="0"/>
+          <a:ext cx="0" cy="0"/>
+          <a:chOff x="0" y="0"/>
+          <a:chExt cx="0" cy="0"/>
+        </a:xfrm>
+      </p:grpSpPr>
+      <p:sp>
+        <p:nvSpPr>
+          <p:cNvPr id="8" name="灯片编号占位符 7"/>
+          <p:cNvSpPr>
+            <a:spLocks noGrp="1"/>
+          </p:cNvSpPr>
+          <p:nvPr>
+            <p:ph type="sldNum" sz="quarter" idx="12"/>
+          </p:nvPr>
+        </p:nvSpPr>
+        <p:spPr/>
+        <p:txBody>
+          <a:bodyPr/>
+          <a:lstStyle/>
+          <a:p>
+            <a:fld id="{8CE1EEF0-630E-4094-A099-5848D878594E}" type="slidenum">
+              <a:rPr lang="zh-CN" altLang="en-US" smtClean="0"/>
+            </a:fld>
+            <a:endParaRPr lang="zh-CN" altLang="en-US"/>
+          </a:p>
+        </p:txBody>
+      </p:sp>
+      <p:sp>
+        <p:nvSpPr>
+          <p:cNvPr id="2" name="文本框 1"/>
+          <p:cNvSpPr txBox="1"/>
+          <p:nvPr/>
+        </p:nvSpPr>
+        <p:spPr>
+          <a:xfrm>
+            <a:off x="467995" y="850265"/>
+            <a:ext cx="11217910" cy="5862320"/>
+          </a:xfrm>
+          <a:prstGeom prst="rect">
+            <a:avLst/>
+          </a:prstGeom>
+          <a:noFill/>
+        </p:spPr>
+        <p:txBody>
+          <a:bodyPr wrap="square" rtlCol="0" anchor="t">
+            <a:spAutoFit/>
+          </a:bodyPr>
+          <a:p>
+            <a:pPr fontAlgn="auto">
+              <a:lnSpc>
+                <a:spcPct val="150000"/>
+              </a:lnSpc>
+            </a:pPr>
+            <a:r>
+              <a:rPr lang="zh-CN" altLang="en-US" sz="2400" b="1" dirty="0" smtClean="0">
+                <a:solidFill>
+                  <a:srgbClr val="000000"/>
+                </a:solidFill>
+                <a:sym typeface="+mn-ea"/>
+              </a:rPr>
+              <a:t>二、</a:t>
+            </a:r>
+            <a:r>
+              <a:rPr lang="en-US" altLang="zh-CN" sz="2400" b="1" dirty="0" smtClean="0">
+                <a:solidFill>
+                  <a:srgbClr val="000000"/>
+                </a:solidFill>
+                <a:sym typeface="+mn-ea"/>
+              </a:rPr>
+              <a:t>2024</a:t>
+            </a:r>
+            <a:r>
+              <a:rPr lang="zh-CN" altLang="en-US" sz="2400" b="1" dirty="0" smtClean="0">
+                <a:solidFill>
+                  <a:srgbClr val="000000"/>
+                </a:solidFill>
+                <a:sym typeface="+mn-ea"/>
+              </a:rPr>
+              <a:t>年度工作计划</a:t>
+            </a:r>
+            <a:endParaRPr lang="en-US" altLang="zh-CN" sz="2400" b="1" dirty="0" smtClean="0">
+              <a:solidFill>
+                <a:srgbClr val="000000"/>
+              </a:solidFill>
+            </a:endParaRPr>
+          </a:p>
+          <a:p>
+            <a:pPr fontAlgn="auto">
+              <a:lnSpc>
+                <a:spcPct val="150000"/>
+              </a:lnSpc>
+            </a:pPr>
+            <a:r>
+              <a:rPr lang="en-US" altLang="zh-CN" dirty="0" smtClean="0">
+                <a:solidFill>
+                  <a:srgbClr val="000000"/>
+                </a:solidFill>
+                <a:sym typeface="+mn-ea"/>
+              </a:rPr>
+              <a:t>    </a:t>
+            </a:r>
+            <a:r>
+              <a:rPr lang="zh-CN" altLang="en-US" dirty="0" smtClean="0">
+                <a:solidFill>
+                  <a:srgbClr val="000000"/>
+                </a:solidFill>
+                <a:sym typeface="+mn-ea"/>
+              </a:rPr>
+              <a:t>针对数据接入平台可进行以下优化：</a:t>
+            </a:r>
+            <a:endParaRPr lang="zh-CN" altLang="en-US" dirty="0" smtClean="0">
+              <a:solidFill>
+                <a:srgbClr val="000000"/>
+              </a:solidFill>
+              <a:sym typeface="+mn-ea"/>
+            </a:endParaRPr>
+          </a:p>
+          <a:p>
+            <a:pPr marL="342900" indent="-342900" fontAlgn="auto">
+              <a:lnSpc>
+                <a:spcPct val="150000"/>
+              </a:lnSpc>
+              <a:buFont typeface="Arial" panose="020B0604020202020204" pitchFamily="34" charset="0"/>
+              <a:buAutoNum type="arabicPeriod"/>
+            </a:pPr>
+            <a:r>
+              <a:rPr lang="zh-CN" altLang="en-US" sz="1600" dirty="0" smtClean="0">
+                <a:solidFill>
+                  <a:srgbClr val="000000"/>
+                </a:solidFill>
+                <a:sym typeface="+mn-ea"/>
+              </a:rPr>
+              <a:t>开发自定义链式节点：为提高处理流程的灵活性和可定制性，将开发自定义链式节点，实现可视化的处理流程配置。</a:t>
+            </a:r>
+            <a:endParaRPr lang="zh-CN" altLang="en-US" sz="1600" dirty="0" smtClean="0">
+              <a:solidFill>
+                <a:srgbClr val="000000"/>
+              </a:solidFill>
+              <a:sym typeface="+mn-ea"/>
+            </a:endParaRPr>
+          </a:p>
+          <a:p>
+            <a:pPr marL="342900" indent="-342900" fontAlgn="auto">
+              <a:lnSpc>
+                <a:spcPct val="150000"/>
+              </a:lnSpc>
+              <a:buFont typeface="Arial" panose="020B0604020202020204" pitchFamily="34" charset="0"/>
+              <a:buAutoNum type="arabicPeriod"/>
+            </a:pPr>
+            <a:r>
+              <a:rPr lang="zh-CN" altLang="en-US" sz="1600" dirty="0" smtClean="0">
+                <a:solidFill>
+                  <a:srgbClr val="000000"/>
+                </a:solidFill>
+                <a:sym typeface="+mn-ea"/>
+              </a:rPr>
+              <a:t>提高审核步骤可复现性：为方便数据进行回溯和调试，将致力于提高审核步骤的可复现性，实现全部数据转换步骤、全部审核步骤、全部清洗步骤可复现。</a:t>
+            </a:r>
+            <a:endParaRPr lang="zh-CN" altLang="en-US" sz="1600" dirty="0" smtClean="0">
+              <a:solidFill>
+                <a:srgbClr val="000000"/>
+              </a:solidFill>
+              <a:sym typeface="+mn-ea"/>
+            </a:endParaRPr>
+          </a:p>
+          <a:p>
+            <a:pPr marL="342900" indent="-342900" fontAlgn="auto">
+              <a:lnSpc>
+                <a:spcPct val="150000"/>
+              </a:lnSpc>
+              <a:buFont typeface="Arial" panose="020B0604020202020204" pitchFamily="34" charset="0"/>
+              <a:buAutoNum type="arabicPeriod"/>
+            </a:pPr>
+            <a:r>
+              <a:rPr lang="zh-CN" altLang="en-US" sz="1600" dirty="0" smtClean="0">
+                <a:solidFill>
+                  <a:srgbClr val="000000"/>
+                </a:solidFill>
+                <a:sym typeface="+mn-ea"/>
+              </a:rPr>
+              <a:t>加强数据安全：建立完善的数据安全保护机制，以保障用户数据的安全。</a:t>
+            </a:r>
+            <a:endParaRPr lang="zh-CN" altLang="en-US" sz="1600" dirty="0" smtClean="0">
+              <a:solidFill>
+                <a:srgbClr val="000000"/>
+              </a:solidFill>
+              <a:sym typeface="+mn-ea"/>
+            </a:endParaRPr>
+          </a:p>
+          <a:p>
+            <a:pPr marL="342900" indent="-342900" fontAlgn="auto">
+              <a:lnSpc>
+                <a:spcPct val="150000"/>
+              </a:lnSpc>
+              <a:buFont typeface="Arial" panose="020B0604020202020204" pitchFamily="34" charset="0"/>
+              <a:buAutoNum type="arabicPeriod"/>
+            </a:pPr>
+            <a:r>
+              <a:rPr lang="zh-CN" altLang="en-US" sz="1600" dirty="0" smtClean="0">
+                <a:solidFill>
+                  <a:srgbClr val="000000"/>
+                </a:solidFill>
+                <a:sym typeface="+mn-ea"/>
+              </a:rPr>
+              <a:t>增强原始数据JSON查询能力：为更好地满足客户的需求，将增强原始数据JSON查询能力，提供更加灵活和高效的数据查询功能。</a:t>
+            </a:r>
+            <a:endParaRPr lang="zh-CN" altLang="en-US" sz="1600" dirty="0" smtClean="0">
+              <a:solidFill>
+                <a:srgbClr val="000000"/>
+              </a:solidFill>
+              <a:sym typeface="+mn-ea"/>
+            </a:endParaRPr>
+          </a:p>
+          <a:p>
+            <a:pPr marL="342900" indent="-342900" fontAlgn="auto">
+              <a:lnSpc>
+                <a:spcPct val="150000"/>
+              </a:lnSpc>
+              <a:buFont typeface="Arial" panose="020B0604020202020204" pitchFamily="34" charset="0"/>
+              <a:buAutoNum type="arabicPeriod"/>
+            </a:pPr>
+            <a:r>
+              <a:rPr lang="zh-CN" altLang="en-US" sz="1600" dirty="0" smtClean="0">
+                <a:solidFill>
+                  <a:srgbClr val="000000"/>
+                </a:solidFill>
+                <a:sym typeface="+mn-ea"/>
+              </a:rPr>
+              <a:t>改进配置方式：为提高配置效率和准确性，同时降低配置门槛，将沉淀配置逻辑，改进配置方式，采用模板化配置。</a:t>
+            </a:r>
+            <a:endParaRPr lang="zh-CN" altLang="en-US" sz="1600" dirty="0" smtClean="0">
+              <a:solidFill>
+                <a:srgbClr val="000000"/>
+              </a:solidFill>
+              <a:sym typeface="+mn-ea"/>
+            </a:endParaRPr>
+          </a:p>
+          <a:p>
+            <a:pPr marL="342900" indent="-342900" fontAlgn="auto">
+              <a:lnSpc>
+                <a:spcPct val="150000"/>
+              </a:lnSpc>
+              <a:buFont typeface="Arial" panose="020B0604020202020204" pitchFamily="34" charset="0"/>
+              <a:buAutoNum type="arabicPeriod"/>
+            </a:pPr>
+            <a:r>
+              <a:rPr lang="zh-CN" altLang="en-US" sz="1600" dirty="0" smtClean="0">
+                <a:solidFill>
+                  <a:srgbClr val="000000"/>
+                </a:solidFill>
+                <a:sym typeface="+mn-ea"/>
+              </a:rPr>
+              <a:t>实现数据备份归档：为保障数据安全和节约服务器资源，将实现接入数据备份归档，确保数据的完整性和可恢复性。</a:t>
+            </a:r>
+            <a:endParaRPr lang="zh-CN" altLang="en-US" sz="1600" dirty="0" smtClean="0">
+              <a:solidFill>
+                <a:srgbClr val="000000"/>
+              </a:solidFill>
+              <a:sym typeface="+mn-ea"/>
+            </a:endParaRPr>
+          </a:p>
+          <a:p>
+            <a:pPr marL="342900" indent="-342900" fontAlgn="auto">
+              <a:lnSpc>
+                <a:spcPct val="150000"/>
+              </a:lnSpc>
+              <a:buFont typeface="Arial" panose="020B0604020202020204" pitchFamily="34" charset="0"/>
+              <a:buAutoNum type="arabicPeriod"/>
+            </a:pPr>
+            <a:r>
+              <a:rPr lang="zh-CN" altLang="en-US" sz="1600" dirty="0" smtClean="0">
+                <a:solidFill>
+                  <a:srgbClr val="000000"/>
+                </a:solidFill>
+                <a:sym typeface="+mn-ea"/>
+              </a:rPr>
+              <a:t>增加监控和报警机制：在数据接入平台中加入监控和报警机制，及时发现和处理异常情况，保证数据接入的稳定性和可靠性。</a:t>
+            </a:r>
+            <a:endParaRPr lang="zh-CN" altLang="en-US" sz="1600" dirty="0" smtClean="0">
+              <a:solidFill>
+                <a:srgbClr val="000000"/>
+              </a:solidFill>
+              <a:sym typeface="+mn-ea"/>
+            </a:endParaRPr>
+          </a:p>
+          <a:p>
+            <a:pPr marL="342900" indent="-342900" fontAlgn="auto">
+              <a:lnSpc>
+                <a:spcPct val="150000"/>
+              </a:lnSpc>
+              <a:buFont typeface="Arial" panose="020B0604020202020204" pitchFamily="34" charset="0"/>
+              <a:buAutoNum type="arabicPeriod"/>
+            </a:pPr>
+            <a:endParaRPr lang="zh-CN" altLang="en-US" sz="1600" dirty="0" smtClean="0">
+              <a:solidFill>
+                <a:srgbClr val="000000"/>
+              </a:solidFill>
+              <a:sym typeface="+mn-ea"/>
+            </a:endParaRPr>
+          </a:p>
+          <a:p>
+            <a:pPr indent="0" fontAlgn="auto">
+              <a:lnSpc>
+                <a:spcPct val="150000"/>
+              </a:lnSpc>
+              <a:buFont typeface="Arial" panose="020B0604020202020204" pitchFamily="34" charset="0"/>
+              <a:buNone/>
+            </a:pPr>
+            <a:r>
+              <a:rPr lang="zh-CN" altLang="en-US" sz="1600" dirty="0" smtClean="0">
+                <a:solidFill>
+                  <a:srgbClr val="000000"/>
+                </a:solidFill>
+                <a:sym typeface="+mn-ea"/>
+              </a:rPr>
+              <a:t>此外，我还将积极参与基础平台组件开发或其他系统开发，积极响应公司决策，为公司做出贡献。我将全力以赴，为实现工作计划的顺利推进而努力！</a:t>
+            </a:r>
+            <a:endParaRPr lang="zh-CN" altLang="en-US" sz="1600" dirty="0" smtClean="0">
+              <a:solidFill>
+                <a:srgbClr val="000000"/>
+              </a:solidFill>
+              <a:sym typeface="+mn-ea"/>
+            </a:endParaRPr>
+          </a:p>
+        </p:txBody>
+      </p:sp>
+    </p:spTree>
+  </p:cSld>
+  <p:clrMapOvr>
+    <a:masterClrMapping/>
+  </p:clrMapOvr>
+  <p:transition/>
+</p:sld>
+</file>
+
+<file path=ppt/slides/slide11.xml><?xml version="1.0" encoding="utf-8"?>
+<p:sld xmlns:a="http://schemas.openxmlformats.org/drawingml/2006/main" xmlns:r="http://schemas.openxmlformats.org/officeDocument/2006/relationships" xmlns:p="http://schemas.openxmlformats.org/presentationml/2006/main" show="0">
+  <p:cSld>
+    <p:spTree>
+      <p:nvGrpSpPr>
+        <p:cNvPr id="1" name=""/>
+        <p:cNvGrpSpPr/>
+        <p:nvPr/>
+      </p:nvGrpSpPr>
+      <p:grpSpPr>
+        <a:xfrm>
+          <a:off x="0" y="0"/>
+          <a:ext cx="0" cy="0"/>
+          <a:chOff x="0" y="0"/>
+          <a:chExt cx="0" cy="0"/>
+        </a:xfrm>
+      </p:grpSpPr>
+      <p:sp>
+        <p:nvSpPr>
+          <p:cNvPr id="8" name="灯片编号占位符 7"/>
+          <p:cNvSpPr>
+            <a:spLocks noGrp="1"/>
+          </p:cNvSpPr>
+          <p:nvPr>
+            <p:ph type="sldNum" sz="quarter" idx="12"/>
+          </p:nvPr>
+        </p:nvSpPr>
+        <p:spPr/>
+        <p:txBody>
+          <a:bodyPr/>
+          <a:lstStyle/>
+          <a:p>
+            <a:fld id="{8CE1EEF0-630E-4094-A099-5848D878594E}" type="slidenum">
+              <a:rPr lang="zh-CN" altLang="en-US" smtClean="0"/>
+            </a:fld>
+            <a:endParaRPr lang="zh-CN" altLang="en-US"/>
+          </a:p>
+        </p:txBody>
+      </p:sp>
+      <p:sp>
+        <p:nvSpPr>
+          <p:cNvPr id="2" name="文本框 1"/>
+          <p:cNvSpPr txBox="1"/>
+          <p:nvPr/>
+        </p:nvSpPr>
+        <p:spPr>
+          <a:xfrm>
+            <a:off x="0" y="2825115"/>
+            <a:ext cx="11302365" cy="1198880"/>
+          </a:xfrm>
+          <a:prstGeom prst="rect">
+            <a:avLst/>
+          </a:prstGeom>
+          <a:noFill/>
+        </p:spPr>
+        <p:txBody>
+          <a:bodyPr wrap="square" rtlCol="0" anchor="t">
+            <a:spAutoFit/>
+            <a:scene3d>
+              <a:camera prst="orthographicFront"/>
+              <a:lightRig rig="soft" dir="t">
+                <a:rot lat="0" lon="0" rev="15600000"/>
+              </a:lightRig>
+            </a:scene3d>
+            <a:sp3d extrusionH="57150" prstMaterial="softEdge">
+              <a:bevelT w="25400" h="38100"/>
+            </a:sp3d>
+          </a:bodyPr>
+          <a:p>
+            <a:pPr algn="ctr" fontAlgn="auto">
+              <a:lnSpc>
+                <a:spcPct val="150000"/>
+              </a:lnSpc>
+            </a:pPr>
+            <a:r>
+              <a:rPr lang="en-US" sz="4800" b="1" dirty="0" smtClean="0">
+                <a:solidFill>
+                  <a:srgbClr val="C52E47"/>
+                </a:solidFill>
+                <a:effectLst/>
+                <a:sym typeface="+mn-ea"/>
+              </a:rPr>
+              <a:t>THANKS</a:t>
+            </a:r>
+            <a:endParaRPr lang="en-US" sz="4800" b="1" dirty="0" smtClean="0">
+              <a:solidFill>
+                <a:srgbClr val="C52E47"/>
+              </a:solidFill>
+              <a:effectLst/>
+              <a:sym typeface="+mn-ea"/>
+            </a:endParaRPr>
+          </a:p>
+        </p:txBody>
+      </p:sp>
+    </p:spTree>
+  </p:cSld>
+  <p:clrMapOvr>
+    <a:masterClrMapping/>
+  </p:clrMapOvr>
+  <p:transition/>
+</p:sld>
+</file>
+
 <file path=ppt/slides/slide2.xml><?xml version="1.0" encoding="utf-8"?>
 <p:sld xmlns:a="http://schemas.openxmlformats.org/drawingml/2006/main" xmlns:r="http://schemas.openxmlformats.org/officeDocument/2006/relationships" xmlns:p="http://schemas.openxmlformats.org/presentationml/2006/main" show="0">
   <p:cSld>
@@ -2373,7 +3024,7 @@
         <p:spPr>
           <a:xfrm>
             <a:off x="425450" y="850265"/>
-            <a:ext cx="11259820" cy="1891665"/>
+            <a:ext cx="11259820" cy="6007100"/>
           </a:xfrm>
           <a:prstGeom prst="rect">
             <a:avLst/>
@@ -2382,7 +3033,7 @@
         </p:spPr>
         <p:txBody>
           <a:bodyPr wrap="square" rtlCol="0" anchor="t">
-            <a:spAutoFit/>
+            <a:noAutofit/>
           </a:bodyPr>
           <a:p>
             <a:pPr fontAlgn="auto">
@@ -2399,37 +3050,7 @@
               </a:rPr>
               <a:t>一、工作总结方面：</a:t>
             </a:r>
-            <a:endParaRPr lang="en-US" altLang="zh-CN" sz="2400" b="1" dirty="0" smtClean="0">
-              <a:solidFill>
-                <a:srgbClr val="000000"/>
-              </a:solidFill>
-            </a:endParaRPr>
-          </a:p>
-          <a:p>
-            <a:pPr fontAlgn="auto">
-              <a:lnSpc>
-                <a:spcPct val="150000"/>
-              </a:lnSpc>
-            </a:pPr>
-            <a:r>
-              <a:rPr lang="en-US" altLang="zh-CN" dirty="0" smtClean="0">
-                <a:solidFill>
-                  <a:srgbClr val="000000"/>
-                </a:solidFill>
-                <a:sym typeface="+mn-ea"/>
-              </a:rPr>
-              <a:t>     </a:t>
-            </a:r>
-            <a:r>
-              <a:rPr lang="zh-CN" dirty="0" smtClean="0">
-                <a:solidFill>
-                  <a:srgbClr val="000000"/>
-                </a:solidFill>
-                <a:sym typeface="+mn-ea"/>
-              </a:rPr>
-              <a:t>这一年主要投入于数据接入平台相关工作：</a:t>
-            </a:r>
-            <a:endParaRPr lang="zh-CN" dirty="0" smtClean="0">
+            <a:endParaRPr lang="zh-CN" altLang="en-US" sz="2400" b="1" dirty="0" smtClean="0">
               <a:solidFill>
                 <a:srgbClr val="000000"/>
               </a:solidFill>
@@ -2437,12 +3058,21 @@
             </a:endParaRPr>
           </a:p>
           <a:p>
-            <a:pPr fontAlgn="auto">
-              <a:lnSpc>
-                <a:spcPct val="150000"/>
-              </a:lnSpc>
-            </a:pPr>
-            <a:endParaRPr lang="zh-CN" dirty="0" smtClean="0">
+            <a:pPr indent="457200" fontAlgn="auto">
+              <a:lnSpc>
+                <a:spcPct val="150000"/>
+              </a:lnSpc>
+            </a:pPr>
+            <a:r>
+              <a:rPr lang="zh-CN" sz="1600" dirty="0" smtClean="0">
+                <a:solidFill>
+                  <a:srgbClr val="000000"/>
+                </a:solidFill>
+                <a:sym typeface="+mn-ea"/>
+              </a:rPr>
+              <a:t>在过去的一年中，我主要投入于数据接入平台的相关工作，着眼于每一轮迭代的技术流程设计、数据库设计、接口设计、公用工具组件的开发与封装、相关技术难点攻关。同时，我与测试团队密切协作，积极参与并推动系统性能测试，通过不断寻找和优化系统接入与处理性能，确保平台在高负载下的稳定运行。在此过程中，我也积极协助产品输出需求，提出各需求优化项，并负责日常工作的协调沟通与安排。</a:t>
+            </a:r>
+            <a:endParaRPr lang="zh-CN" sz="1600" dirty="0" smtClean="0">
               <a:solidFill>
                 <a:srgbClr val="000000"/>
               </a:solidFill>
@@ -2450,12 +3080,155 @@
             </a:endParaRPr>
           </a:p>
           <a:p>
-            <a:pPr fontAlgn="auto">
-              <a:lnSpc>
-                <a:spcPct val="150000"/>
-              </a:lnSpc>
-            </a:pPr>
-            <a:endParaRPr lang="zh-CN"/>
+            <a:pPr indent="457200" fontAlgn="auto">
+              <a:lnSpc>
+                <a:spcPct val="150000"/>
+              </a:lnSpc>
+            </a:pPr>
+            <a:endParaRPr lang="zh-CN" sz="1600" dirty="0" smtClean="0">
+              <a:solidFill>
+                <a:srgbClr val="000000"/>
+              </a:solidFill>
+              <a:sym typeface="+mn-ea"/>
+            </a:endParaRPr>
+          </a:p>
+          <a:p>
+            <a:pPr indent="457200" fontAlgn="auto">
+              <a:lnSpc>
+                <a:spcPct val="150000"/>
+              </a:lnSpc>
+            </a:pPr>
+            <a:r>
+              <a:rPr lang="zh-CN" sz="1600" dirty="0" smtClean="0">
+                <a:solidFill>
+                  <a:srgbClr val="000000"/>
+                </a:solidFill>
+                <a:sym typeface="+mn-ea"/>
+              </a:rPr>
+              <a:t>在每一轮迭代开始前，我与产品保持紧密联系，积极参与需求分析，确保需求与技术相互契合。在每次迭代中，我不仅仅是技术的执行者，更是需求优化的积极倡导者。通过深入理解业务流程和用户期望，我提出了一系列旨在提高系统功能性、易用性和可维护性的建议，并成功将它们付诸实践。</a:t>
+            </a:r>
+            <a:endParaRPr lang="zh-CN" sz="1600" dirty="0" smtClean="0">
+              <a:solidFill>
+                <a:srgbClr val="000000"/>
+              </a:solidFill>
+              <a:sym typeface="+mn-ea"/>
+            </a:endParaRPr>
+          </a:p>
+          <a:p>
+            <a:pPr indent="457200" fontAlgn="auto">
+              <a:lnSpc>
+                <a:spcPct val="150000"/>
+              </a:lnSpc>
+            </a:pPr>
+            <a:endParaRPr lang="zh-CN" sz="1600" dirty="0" smtClean="0">
+              <a:solidFill>
+                <a:srgbClr val="000000"/>
+              </a:solidFill>
+              <a:sym typeface="+mn-ea"/>
+            </a:endParaRPr>
+          </a:p>
+          <a:p>
+            <a:pPr indent="457200" fontAlgn="auto">
+              <a:lnSpc>
+                <a:spcPct val="150000"/>
+              </a:lnSpc>
+            </a:pPr>
+            <a:r>
+              <a:rPr lang="zh-CN" sz="1600" dirty="0" smtClean="0">
+                <a:solidFill>
+                  <a:srgbClr val="000000"/>
+                </a:solidFill>
+                <a:sym typeface="+mn-ea"/>
+              </a:rPr>
+              <a:t>如</a:t>
+            </a:r>
+            <a:r>
+              <a:rPr sz="1600" dirty="0" smtClean="0">
+                <a:solidFill>
+                  <a:srgbClr val="000000"/>
+                </a:solidFill>
+                <a:sym typeface="+mn-ea"/>
+              </a:rPr>
+              <a:t>在中间库接入设计阶段，为应对多样的接入场景，我提出了将中间库数据获取分为手动获取、实时获取和实时监听三种模式。我详细设计了各数据库接入的调用流程和数据库表设计，为团队提供了清晰可操作的实现思路。例如在实现Hbase数据库数据接入时，我研发了流式</a:t>
+            </a:r>
+            <a:r>
+              <a:rPr lang="zh-CN" sz="1600" dirty="0" smtClean="0">
+                <a:solidFill>
+                  <a:srgbClr val="000000"/>
+                </a:solidFill>
+                <a:sym typeface="+mn-ea"/>
+              </a:rPr>
+              <a:t>查询</a:t>
+            </a:r>
+            <a:r>
+              <a:rPr sz="1600" dirty="0" smtClean="0">
+                <a:solidFill>
+                  <a:srgbClr val="000000"/>
+                </a:solidFill>
+                <a:sym typeface="+mn-ea"/>
+              </a:rPr>
+              <a:t>的Hbase</a:t>
+            </a:r>
+            <a:r>
+              <a:rPr lang="zh-CN" sz="1600" dirty="0" smtClean="0">
+                <a:solidFill>
+                  <a:srgbClr val="000000"/>
+                </a:solidFill>
+                <a:sym typeface="+mn-ea"/>
+              </a:rPr>
+              <a:t>操作</a:t>
+            </a:r>
+            <a:r>
+              <a:rPr sz="1600" dirty="0" smtClean="0">
+                <a:solidFill>
+                  <a:srgbClr val="000000"/>
+                </a:solidFill>
+                <a:sym typeface="+mn-ea"/>
+              </a:rPr>
+              <a:t>工具，显著提升了数据</a:t>
+            </a:r>
+            <a:r>
+              <a:rPr lang="zh-CN" sz="1600" dirty="0" smtClean="0">
+                <a:solidFill>
+                  <a:srgbClr val="000000"/>
+                </a:solidFill>
+                <a:sym typeface="+mn-ea"/>
+              </a:rPr>
+              <a:t>查询与接入</a:t>
+            </a:r>
+            <a:r>
+              <a:rPr sz="1600" dirty="0" smtClean="0">
+                <a:solidFill>
+                  <a:srgbClr val="000000"/>
+                </a:solidFill>
+                <a:sym typeface="+mn-ea"/>
+              </a:rPr>
+              <a:t>效率，确保中间库数据无阻碍地完成接入过程。在Excel接入设计中，我强调了支持自定义Excel表头导入的重要性。在外部接口接入设计阶段，我在产品设计之前提出了详尽的技术实现思路，为产品输出相关需求原型提供了强有力的支持</a:t>
+            </a:r>
+            <a:r>
+              <a:rPr lang="zh-CN" sz="1600" dirty="0" smtClean="0">
+                <a:solidFill>
+                  <a:srgbClr val="000000"/>
+                </a:solidFill>
+                <a:sym typeface="+mn-ea"/>
+              </a:rPr>
+              <a:t>等等</a:t>
+            </a:r>
+            <a:r>
+              <a:rPr sz="1600" dirty="0" smtClean="0">
+                <a:solidFill>
+                  <a:srgbClr val="000000"/>
+                </a:solidFill>
+                <a:sym typeface="+mn-ea"/>
+              </a:rPr>
+              <a:t>。</a:t>
+            </a:r>
+            <a:endParaRPr sz="1600" dirty="0" smtClean="0">
+              <a:solidFill>
+                <a:srgbClr val="000000"/>
+              </a:solidFill>
+              <a:sym typeface="+mn-ea"/>
+            </a:endParaRPr>
           </a:p>
         </p:txBody>
       </p:sp>
@@ -2516,7 +3289,7 @@
         <p:spPr>
           <a:xfrm>
             <a:off x="425450" y="850265"/>
-            <a:ext cx="11371580" cy="1060450"/>
+            <a:ext cx="11259820" cy="5567680"/>
           </a:xfrm>
           <a:prstGeom prst="rect">
             <a:avLst/>
@@ -2525,7 +3298,7 @@
         </p:spPr>
         <p:txBody>
           <a:bodyPr wrap="square" rtlCol="0" anchor="t">
-            <a:spAutoFit/>
+            <a:noAutofit/>
           </a:bodyPr>
           <a:p>
             <a:pPr fontAlgn="auto">
@@ -2542,37 +3315,347 @@
               </a:rPr>
               <a:t>一、工作总结方面：</a:t>
             </a:r>
-            <a:endParaRPr lang="en-US" altLang="zh-CN" sz="2400" b="1" dirty="0" smtClean="0">
+            <a:endParaRPr lang="zh-CN" altLang="en-US" sz="2400" b="1" dirty="0" smtClean="0">
               <a:solidFill>
                 <a:srgbClr val="000000"/>
               </a:solidFill>
+              <a:sym typeface="+mn-ea"/>
             </a:endParaRPr>
           </a:p>
           <a:p>
-            <a:pPr fontAlgn="auto">
-              <a:lnSpc>
-                <a:spcPct val="150000"/>
-              </a:lnSpc>
-            </a:pPr>
-            <a:r>
-              <a:rPr lang="en-US" altLang="zh-CN" dirty="0" smtClean="0">
-                <a:solidFill>
-                  <a:srgbClr val="000000"/>
-                </a:solidFill>
-                <a:sym typeface="+mn-ea"/>
-              </a:rPr>
-              <a:t>     2</a:t>
-            </a:r>
-            <a:r>
-              <a:rPr lang="zh-CN" altLang="en-US" dirty="0" smtClean="0">
-                <a:solidFill>
-                  <a:srgbClr val="000000"/>
-                </a:solidFill>
-                <a:sym typeface="+mn-ea"/>
-              </a:rPr>
-              <a:t>、本年度内工作开展所形成的经验总结，及后续的改进措施；</a:t>
-            </a:r>
-            <a:endParaRPr lang="zh-CN" altLang="en-US"/>
+            <a:pPr indent="457200" fontAlgn="auto">
+              <a:lnSpc>
+                <a:spcPct val="150000"/>
+              </a:lnSpc>
+            </a:pPr>
+            <a:r>
+              <a:rPr sz="1600" dirty="0" smtClean="0">
+                <a:solidFill>
+                  <a:srgbClr val="000000"/>
+                </a:solidFill>
+                <a:sym typeface="+mn-ea"/>
+              </a:rPr>
+              <a:t>在性能测试与系统优化领域，我与测试团队合作，进行了多轮性能测试，深入发现系统性能瓶颈并有针对性地进行优化。通过调整Kafka参数配置、线程池等系统参数，以及重构代码结构，例如优化消息回调监听、异步源数据存储、异步分阶段报表统计等，成功提升了系统的数据接入和处理性能，确保了在高负载情况下平台的稳定运行。</a:t>
+            </a:r>
+            <a:endParaRPr sz="1600" dirty="0" smtClean="0">
+              <a:solidFill>
+                <a:srgbClr val="000000"/>
+              </a:solidFill>
+              <a:sym typeface="+mn-ea"/>
+            </a:endParaRPr>
+          </a:p>
+          <a:p>
+            <a:pPr indent="457200" fontAlgn="auto">
+              <a:lnSpc>
+                <a:spcPct val="150000"/>
+              </a:lnSpc>
+            </a:pPr>
+            <a:endParaRPr sz="1600" dirty="0" smtClean="0">
+              <a:solidFill>
+                <a:srgbClr val="000000"/>
+              </a:solidFill>
+              <a:sym typeface="+mn-ea"/>
+            </a:endParaRPr>
+          </a:p>
+          <a:p>
+            <a:pPr indent="457200" fontAlgn="auto">
+              <a:lnSpc>
+                <a:spcPct val="150000"/>
+              </a:lnSpc>
+            </a:pPr>
+            <a:r>
+              <a:rPr sz="1600" dirty="0" smtClean="0">
+                <a:solidFill>
+                  <a:srgbClr val="000000"/>
+                </a:solidFill>
+                <a:sym typeface="+mn-ea"/>
+              </a:rPr>
+              <a:t>在持续的优化过程中，数据接入平台在微服务仅单节点、服务器资源最小的情况下（1核2GB内存），</a:t>
+            </a:r>
+            <a:r>
+              <a:rPr lang="zh-CN" sz="1600" dirty="0" smtClean="0">
+                <a:solidFill>
+                  <a:srgbClr val="000000"/>
+                </a:solidFill>
+                <a:sym typeface="+mn-ea"/>
+              </a:rPr>
+              <a:t>压测下</a:t>
+            </a:r>
+            <a:r>
+              <a:rPr sz="1600" dirty="0" smtClean="0">
+                <a:solidFill>
+                  <a:srgbClr val="000000"/>
+                </a:solidFill>
+                <a:sym typeface="+mn-ea"/>
+              </a:rPr>
+              <a:t>成功实现接入百万数据</a:t>
+            </a:r>
+            <a:r>
+              <a:rPr sz="1600" dirty="0" smtClean="0">
+                <a:solidFill>
+                  <a:srgbClr val="000000"/>
+                </a:solidFill>
+                <a:sym typeface="+mn-ea"/>
+              </a:rPr>
+              <a:t>并</a:t>
+            </a:r>
+            <a:r>
+              <a:rPr lang="zh-CN" sz="1600" dirty="0" smtClean="0">
+                <a:solidFill>
+                  <a:srgbClr val="000000"/>
+                </a:solidFill>
+                <a:sym typeface="+mn-ea"/>
+              </a:rPr>
+              <a:t>完成数据存储、</a:t>
+            </a:r>
+            <a:r>
+              <a:rPr sz="1600" dirty="0" smtClean="0">
+                <a:solidFill>
+                  <a:srgbClr val="000000"/>
+                </a:solidFill>
+                <a:sym typeface="+mn-ea"/>
+              </a:rPr>
+              <a:t>处理</a:t>
+            </a:r>
+            <a:r>
+              <a:rPr lang="zh-CN" sz="1600" dirty="0" smtClean="0">
+                <a:solidFill>
+                  <a:srgbClr val="000000"/>
+                </a:solidFill>
+                <a:sym typeface="+mn-ea"/>
+              </a:rPr>
+              <a:t>、审核、清洗、转换，再到将</a:t>
+            </a:r>
+            <a:r>
+              <a:rPr sz="1600" dirty="0" smtClean="0">
+                <a:solidFill>
+                  <a:srgbClr val="000000"/>
+                </a:solidFill>
+                <a:sym typeface="+mn-ea"/>
+              </a:rPr>
+              <a:t>数据</a:t>
+            </a:r>
+            <a:r>
+              <a:rPr lang="zh-CN" sz="1600" dirty="0" smtClean="0">
+                <a:solidFill>
+                  <a:srgbClr val="000000"/>
+                </a:solidFill>
+                <a:sym typeface="+mn-ea"/>
+              </a:rPr>
+              <a:t>传递</a:t>
+            </a:r>
+            <a:r>
+              <a:rPr sz="1600" dirty="0" smtClean="0">
+                <a:solidFill>
+                  <a:srgbClr val="000000"/>
+                </a:solidFill>
+                <a:sym typeface="+mn-ea"/>
+              </a:rPr>
+              <a:t>给下游</a:t>
+            </a:r>
+            <a:r>
+              <a:rPr lang="zh-CN" sz="1600" dirty="0" smtClean="0">
+                <a:solidFill>
+                  <a:srgbClr val="000000"/>
+                </a:solidFill>
+                <a:sym typeface="+mn-ea"/>
+              </a:rPr>
+              <a:t>，全过程</a:t>
+            </a:r>
+            <a:r>
+              <a:rPr sz="1600" dirty="0" smtClean="0">
+                <a:solidFill>
+                  <a:srgbClr val="000000"/>
+                </a:solidFill>
+                <a:sym typeface="+mn-ea"/>
+              </a:rPr>
+              <a:t>耗时仅需</a:t>
+            </a:r>
+            <a:r>
+              <a:rPr sz="1600" b="1" dirty="0" smtClean="0">
+                <a:solidFill>
+                  <a:srgbClr val="000000"/>
+                </a:solidFill>
+                <a:sym typeface="+mn-ea"/>
+              </a:rPr>
+              <a:t>4</a:t>
+            </a:r>
+            <a:r>
+              <a:rPr sz="1600" dirty="0" smtClean="0">
+                <a:solidFill>
+                  <a:srgbClr val="000000"/>
+                </a:solidFill>
+                <a:sym typeface="+mn-ea"/>
+              </a:rPr>
+              <a:t>分钟</a:t>
+            </a:r>
+            <a:r>
+              <a:rPr lang="zh-CN" sz="1600" dirty="0" smtClean="0">
+                <a:solidFill>
+                  <a:srgbClr val="000000"/>
+                </a:solidFill>
+                <a:sym typeface="+mn-ea"/>
+              </a:rPr>
+              <a:t>！</a:t>
+            </a:r>
+            <a:r>
+              <a:rPr sz="1600" dirty="0" smtClean="0">
+                <a:solidFill>
+                  <a:srgbClr val="000000"/>
+                </a:solidFill>
+                <a:sym typeface="+mn-ea"/>
+              </a:rPr>
+              <a:t>值得一提的是，在服务器资源充裕的情况下，我们的</a:t>
+            </a:r>
+            <a:r>
+              <a:rPr lang="zh-CN" sz="1600" dirty="0" smtClean="0">
+                <a:solidFill>
+                  <a:srgbClr val="000000"/>
+                </a:solidFill>
+                <a:sym typeface="+mn-ea"/>
+              </a:rPr>
+              <a:t>接入</a:t>
+            </a:r>
+            <a:r>
+              <a:rPr sz="1600" dirty="0" smtClean="0">
+                <a:solidFill>
+                  <a:srgbClr val="000000"/>
+                </a:solidFill>
+                <a:sym typeface="+mn-ea"/>
+              </a:rPr>
+              <a:t>处理速度将更为迅猛！这不仅是性能优化的显著成就，也确保了在有限的资源条件下系统的高效运作。</a:t>
+            </a:r>
+            <a:endParaRPr sz="1600" dirty="0" smtClean="0">
+              <a:solidFill>
+                <a:srgbClr val="000000"/>
+              </a:solidFill>
+              <a:sym typeface="+mn-ea"/>
+            </a:endParaRPr>
+          </a:p>
+          <a:p>
+            <a:pPr indent="457200" fontAlgn="auto">
+              <a:lnSpc>
+                <a:spcPct val="150000"/>
+              </a:lnSpc>
+            </a:pPr>
+            <a:endParaRPr sz="1600" dirty="0" smtClean="0">
+              <a:solidFill>
+                <a:srgbClr val="000000"/>
+              </a:solidFill>
+              <a:sym typeface="+mn-ea"/>
+            </a:endParaRPr>
+          </a:p>
+          <a:p>
+            <a:pPr indent="457200" fontAlgn="auto">
+              <a:lnSpc>
+                <a:spcPct val="150000"/>
+              </a:lnSpc>
+            </a:pPr>
+            <a:r>
+              <a:rPr lang="zh-CN" sz="1600" dirty="0" smtClean="0">
+                <a:solidFill>
+                  <a:srgbClr val="000000"/>
+                </a:solidFill>
+                <a:sym typeface="+mn-ea"/>
+              </a:rPr>
+              <a:t>当然</a:t>
+            </a:r>
+            <a:r>
+              <a:rPr sz="1600" dirty="0" smtClean="0">
+                <a:solidFill>
+                  <a:srgbClr val="000000"/>
+                </a:solidFill>
+                <a:sym typeface="+mn-ea"/>
+              </a:rPr>
+              <a:t>我坚信这只是一个起点，</a:t>
+            </a:r>
+            <a:r>
+              <a:rPr lang="zh-CN" sz="1600" dirty="0" smtClean="0">
+                <a:solidFill>
+                  <a:srgbClr val="000000"/>
+                </a:solidFill>
+                <a:sym typeface="+mn-ea"/>
+              </a:rPr>
+              <a:t>我</a:t>
+            </a:r>
+            <a:r>
+              <a:rPr sz="1600" dirty="0" smtClean="0">
+                <a:solidFill>
+                  <a:srgbClr val="000000"/>
+                </a:solidFill>
+                <a:sym typeface="+mn-ea"/>
+              </a:rPr>
+              <a:t>将持续关注系统的每一个性能细节，不断追求</a:t>
+            </a:r>
+            <a:r>
+              <a:rPr lang="zh-CN" sz="1600" dirty="0" smtClean="0">
+                <a:solidFill>
+                  <a:srgbClr val="000000"/>
+                </a:solidFill>
+                <a:sym typeface="+mn-ea"/>
+              </a:rPr>
+              <a:t>更优解</a:t>
+            </a:r>
+            <a:r>
+              <a:rPr sz="1600" dirty="0" smtClean="0">
+                <a:solidFill>
+                  <a:srgbClr val="000000"/>
+                </a:solidFill>
+                <a:sym typeface="+mn-ea"/>
+              </a:rPr>
+              <a:t>，以确保</a:t>
+            </a:r>
+            <a:r>
+              <a:rPr lang="zh-CN" sz="1600" dirty="0" smtClean="0">
+                <a:solidFill>
+                  <a:srgbClr val="000000"/>
+                </a:solidFill>
+                <a:sym typeface="+mn-ea"/>
+              </a:rPr>
+              <a:t>系统</a:t>
+            </a:r>
+            <a:r>
+              <a:rPr sz="1600" dirty="0" smtClean="0">
+                <a:solidFill>
+                  <a:srgbClr val="000000"/>
+                </a:solidFill>
+                <a:sym typeface="+mn-ea"/>
+              </a:rPr>
+              <a:t>能够</a:t>
+            </a:r>
+            <a:r>
+              <a:rPr lang="zh-CN" sz="1600" dirty="0" smtClean="0">
+                <a:solidFill>
+                  <a:srgbClr val="000000"/>
+                </a:solidFill>
+                <a:sym typeface="+mn-ea"/>
+              </a:rPr>
+              <a:t>胜任未来</a:t>
+            </a:r>
+            <a:r>
+              <a:rPr sz="1600" dirty="0" smtClean="0">
+                <a:solidFill>
+                  <a:srgbClr val="000000"/>
+                </a:solidFill>
+                <a:sym typeface="+mn-ea"/>
+              </a:rPr>
+              <a:t>更大的挑战。我坚信每一步的改进都是对卓越的追求，而我将继续为此努力</a:t>
+            </a:r>
+            <a:r>
+              <a:rPr lang="zh-CN" sz="1600" dirty="0" smtClean="0">
+                <a:solidFill>
+                  <a:srgbClr val="000000"/>
+                </a:solidFill>
+                <a:sym typeface="+mn-ea"/>
+              </a:rPr>
+              <a:t>。</a:t>
+            </a:r>
+            <a:endParaRPr lang="zh-CN" sz="1600" dirty="0" smtClean="0">
+              <a:solidFill>
+                <a:srgbClr val="000000"/>
+              </a:solidFill>
+              <a:sym typeface="+mn-ea"/>
+            </a:endParaRPr>
           </a:p>
         </p:txBody>
       </p:sp>
@@ -2632,8 +3715,8 @@
         </p:nvSpPr>
         <p:spPr>
           <a:xfrm>
-            <a:off x="453390" y="850265"/>
-            <a:ext cx="11343005" cy="1060450"/>
+            <a:off x="425450" y="850265"/>
+            <a:ext cx="11371580" cy="5539105"/>
           </a:xfrm>
           <a:prstGeom prst="rect">
             <a:avLst/>
@@ -2678,21 +3761,142 @@
                 </a:solidFill>
                 <a:sym typeface="+mn-ea"/>
               </a:rPr>
-              <a:t>    3</a:t>
-            </a:r>
-            <a:r>
-              <a:rPr lang="zh-CN" altLang="en-US" dirty="0" smtClean="0">
-                <a:solidFill>
-                  <a:srgbClr val="000000"/>
-                </a:solidFill>
-                <a:sym typeface="+mn-ea"/>
-              </a:rPr>
-              <a:t>、聚焦部门和岗位工作，对公司或部门的建议；</a:t>
-            </a:r>
-            <a:endParaRPr lang="zh-CN" altLang="en-US"/>
+              <a:t>     </a:t>
+            </a:r>
+            <a:r>
+              <a:rPr lang="zh-CN" dirty="0" smtClean="0">
+                <a:solidFill>
+                  <a:srgbClr val="000000"/>
+                </a:solidFill>
+                <a:sym typeface="+mn-ea"/>
+              </a:rPr>
+              <a:t>截至当前，数据接入平台在接入方式上，已经支持以下接入方式：</a:t>
+            </a:r>
+            <a:endParaRPr lang="zh-CN" dirty="0" smtClean="0">
+              <a:solidFill>
+                <a:srgbClr val="000000"/>
+              </a:solidFill>
+              <a:sym typeface="+mn-ea"/>
+            </a:endParaRPr>
+          </a:p>
+          <a:p>
+            <a:pPr fontAlgn="auto">
+              <a:lnSpc>
+                <a:spcPct val="150000"/>
+              </a:lnSpc>
+            </a:pPr>
+            <a:endParaRPr lang="zh-CN"/>
+          </a:p>
+          <a:p>
+            <a:pPr fontAlgn="auto">
+              <a:lnSpc>
+                <a:spcPct val="150000"/>
+              </a:lnSpc>
+            </a:pPr>
+            <a:endParaRPr lang="zh-CN"/>
+          </a:p>
+          <a:p>
+            <a:pPr fontAlgn="auto">
+              <a:lnSpc>
+                <a:spcPct val="150000"/>
+              </a:lnSpc>
+            </a:pPr>
+            <a:endParaRPr lang="zh-CN"/>
+          </a:p>
+          <a:p>
+            <a:pPr fontAlgn="auto">
+              <a:lnSpc>
+                <a:spcPct val="150000"/>
+              </a:lnSpc>
+            </a:pPr>
+            <a:endParaRPr lang="zh-CN"/>
+          </a:p>
+          <a:p>
+            <a:pPr fontAlgn="auto">
+              <a:lnSpc>
+                <a:spcPct val="150000"/>
+              </a:lnSpc>
+            </a:pPr>
+            <a:endParaRPr lang="zh-CN"/>
+          </a:p>
+          <a:p>
+            <a:pPr fontAlgn="auto">
+              <a:lnSpc>
+                <a:spcPct val="150000"/>
+              </a:lnSpc>
+            </a:pPr>
+            <a:endParaRPr lang="zh-CN"/>
+          </a:p>
+          <a:p>
+            <a:pPr fontAlgn="auto">
+              <a:lnSpc>
+                <a:spcPct val="150000"/>
+              </a:lnSpc>
+            </a:pPr>
+            <a:endParaRPr lang="zh-CN"/>
+          </a:p>
+          <a:p>
+            <a:pPr fontAlgn="auto">
+              <a:lnSpc>
+                <a:spcPct val="150000"/>
+              </a:lnSpc>
+            </a:pPr>
+            <a:endParaRPr lang="zh-CN"/>
+          </a:p>
+          <a:p>
+            <a:pPr fontAlgn="auto">
+              <a:lnSpc>
+                <a:spcPct val="150000"/>
+              </a:lnSpc>
+            </a:pPr>
+            <a:endParaRPr lang="zh-CN"/>
+          </a:p>
+          <a:p>
+            <a:pPr fontAlgn="auto">
+              <a:lnSpc>
+                <a:spcPct val="150000"/>
+              </a:lnSpc>
+            </a:pPr>
+            <a:r>
+              <a:rPr lang="zh-CN" sz="1600"/>
+              <a:t>关于中间库接入，正如前文所述，目前数据接入平台支持三种接入模式：手动接入、定时接入以及实时接入；</a:t>
+            </a:r>
+            <a:r>
+              <a:rPr sz="1600"/>
+              <a:t>对于外部API接入，数据接入平台实现了对外部API的自动鉴权，同时支持内部统一的出入参调用。</a:t>
+            </a:r>
+            <a:endParaRPr sz="1600"/>
           </a:p>
         </p:txBody>
       </p:sp>
+      <p:pic>
+        <p:nvPicPr>
+          <p:cNvPr id="40" name="图片 39"/>
+          <p:cNvPicPr>
+            <a:picLocks noChangeAspect="1"/>
+          </p:cNvPicPr>
+          <p:nvPr>
+            <p:custDataLst>
+              <p:tags r:id="rId1"/>
+            </p:custDataLst>
+          </p:nvPr>
+        </p:nvPicPr>
+        <p:blipFill>
+          <a:blip r:embed="rId2"/>
+          <a:stretch>
+            <a:fillRect/>
+          </a:stretch>
+        </p:blipFill>
+        <p:spPr>
+          <a:xfrm>
+            <a:off x="1100455" y="2187575"/>
+            <a:ext cx="8963025" cy="3152775"/>
+          </a:xfrm>
+          <a:prstGeom prst="rect">
+            <a:avLst/>
+          </a:prstGeom>
+        </p:spPr>
+      </p:pic>
     </p:spTree>
   </p:cSld>
   <p:clrMapOvr>
@@ -2749,8 +3953,8 @@
         </p:nvSpPr>
         <p:spPr>
           <a:xfrm>
-            <a:off x="467995" y="850265"/>
-            <a:ext cx="11217910" cy="1476375"/>
+            <a:off x="425450" y="850265"/>
+            <a:ext cx="11371580" cy="1060450"/>
           </a:xfrm>
           <a:prstGeom prst="rect">
             <a:avLst/>
@@ -2774,25 +3978,7 @@
                 </a:solidFill>
                 <a:sym typeface="+mn-ea"/>
               </a:rPr>
-              <a:t>二、</a:t>
-            </a:r>
-            <a:r>
-              <a:rPr lang="en-US" altLang="zh-CN" sz="2400" b="1" dirty="0" smtClean="0">
-                <a:solidFill>
-                  <a:srgbClr val="000000"/>
-                </a:solidFill>
-                <a:sym typeface="+mn-ea"/>
-              </a:rPr>
-              <a:t>2024</a:t>
-            </a:r>
-            <a:r>
-              <a:rPr lang="zh-CN" altLang="en-US" sz="2400" b="1" dirty="0" smtClean="0">
-                <a:solidFill>
-                  <a:srgbClr val="000000"/>
-                </a:solidFill>
-                <a:sym typeface="+mn-ea"/>
-              </a:rPr>
-              <a:t>年度工作计划</a:t>
+              <a:t>一、工作总结方面：</a:t>
             </a:r>
             <a:endParaRPr lang="en-US" altLang="zh-CN" sz="2400" b="1" dirty="0" smtClean="0">
               <a:solidFill>
@@ -2813,35 +3999,45 @@
                 </a:solidFill>
                 <a:sym typeface="+mn-ea"/>
               </a:rPr>
-              <a:t>    </a:t>
-            </a:r>
-            <a:r>
-              <a:rPr lang="zh-CN" altLang="en-US" dirty="0" smtClean="0">
-                <a:solidFill>
-                  <a:srgbClr val="000000"/>
-                </a:solidFill>
-                <a:sym typeface="+mn-ea"/>
-              </a:rPr>
-              <a:t>在充分理解公司战略和业务的基础上，</a:t>
-            </a:r>
-            <a:r>
-              <a:rPr lang="zh-CN" altLang="en-US" dirty="0" smtClean="0">
-                <a:solidFill>
-                  <a:srgbClr val="000000"/>
-                </a:solidFill>
-                <a:sym typeface="+mn-ea"/>
-              </a:rPr>
-              <a:t>明确列出本部门的目标和为实现目标所要开展的重点工作及措施，需要的资源支持，和风险点。</a:t>
-            </a:r>
-            <a:endParaRPr lang="zh-CN" altLang="en-US" dirty="0" smtClean="0">
-              <a:solidFill>
-                <a:srgbClr val="000000"/>
-              </a:solidFill>
-              <a:sym typeface="+mn-ea"/>
-            </a:endParaRPr>
+              <a:t>     </a:t>
+            </a:r>
+            <a:r>
+              <a:rPr lang="zh-CN" dirty="0" smtClean="0">
+                <a:solidFill>
+                  <a:srgbClr val="000000"/>
+                </a:solidFill>
+                <a:sym typeface="+mn-ea"/>
+              </a:rPr>
+              <a:t>截至当前，数据接入平台在审核链路上，已经支持以下数据审核：</a:t>
+            </a:r>
+            <a:endParaRPr lang="zh-CN"/>
           </a:p>
         </p:txBody>
       </p:sp>
+      <p:pic>
+        <p:nvPicPr>
+          <p:cNvPr id="3" name="图片 2"/>
+          <p:cNvPicPr>
+            <a:picLocks noChangeAspect="1"/>
+          </p:cNvPicPr>
+          <p:nvPr/>
+        </p:nvPicPr>
+        <p:blipFill>
+          <a:blip r:embed="rId1"/>
+          <a:stretch>
+            <a:fillRect/>
+          </a:stretch>
+        </p:blipFill>
+        <p:spPr>
+          <a:xfrm>
+            <a:off x="1658620" y="2251710"/>
+            <a:ext cx="7972425" cy="3486150"/>
+          </a:xfrm>
+          <a:prstGeom prst="rect">
+            <a:avLst/>
+          </a:prstGeom>
+        </p:spPr>
+      </p:pic>
     </p:spTree>
   </p:cSld>
   <p:clrMapOvr>
@@ -2898,8 +4094,8 @@
         </p:nvSpPr>
         <p:spPr>
           <a:xfrm>
-            <a:off x="0" y="2825115"/>
-            <a:ext cx="11302365" cy="1198880"/>
+            <a:off x="425450" y="850265"/>
+            <a:ext cx="11371580" cy="5539105"/>
           </a:xfrm>
           <a:prstGeom prst="rect">
             <a:avLst/>
@@ -2909,39 +4105,864 @@
         <p:txBody>
           <a:bodyPr wrap="square" rtlCol="0" anchor="t">
             <a:spAutoFit/>
-            <a:scene3d>
-              <a:camera prst="orthographicFront"/>
-              <a:lightRig rig="soft" dir="t">
-                <a:rot lat="0" lon="0" rev="15600000"/>
-              </a:lightRig>
-            </a:scene3d>
-            <a:sp3d extrusionH="57150" prstMaterial="softEdge">
-              <a:bevelT w="25400" h="38100"/>
-            </a:sp3d>
           </a:bodyPr>
           <a:p>
-            <a:pPr algn="ctr" fontAlgn="auto">
-              <a:lnSpc>
-                <a:spcPct val="150000"/>
-              </a:lnSpc>
-            </a:pPr>
-            <a:r>
-              <a:rPr lang="en-US" sz="4800" b="1" dirty="0" smtClean="0">
-                <a:solidFill>
-                  <a:srgbClr val="C52E47"/>
-                </a:solidFill>
-                <a:effectLst/>
-                <a:sym typeface="+mn-ea"/>
-              </a:rPr>
-              <a:t>THANKS</a:t>
-            </a:r>
-            <a:endParaRPr lang="en-US" sz="4800" b="1" dirty="0" smtClean="0">
+            <a:pPr fontAlgn="auto">
+              <a:lnSpc>
+                <a:spcPct val="150000"/>
+              </a:lnSpc>
+            </a:pPr>
+            <a:r>
+              <a:rPr lang="zh-CN" altLang="en-US" sz="2400" b="1" dirty="0" smtClean="0">
+                <a:solidFill>
+                  <a:srgbClr val="000000"/>
+                </a:solidFill>
+                <a:sym typeface="+mn-ea"/>
+              </a:rPr>
+              <a:t>一、工作总结方面：</a:t>
+            </a:r>
+            <a:endParaRPr lang="en-US" altLang="zh-CN" sz="2400" b="1" dirty="0" smtClean="0">
               <a:solidFill>
-                <a:srgbClr val="C52E47"/>
+                <a:srgbClr val="000000"/>
               </a:solidFill>
-              <a:effectLst/>
+            </a:endParaRPr>
+          </a:p>
+          <a:p>
+            <a:pPr fontAlgn="auto">
+              <a:lnSpc>
+                <a:spcPct val="150000"/>
+              </a:lnSpc>
+            </a:pPr>
+            <a:r>
+              <a:rPr lang="en-US" altLang="zh-CN" dirty="0" smtClean="0">
+                <a:solidFill>
+                  <a:srgbClr val="000000"/>
+                </a:solidFill>
+                <a:sym typeface="+mn-ea"/>
+              </a:rPr>
+              <a:t>     </a:t>
+            </a:r>
+            <a:r>
+              <a:rPr lang="zh-CN" dirty="0" smtClean="0">
+                <a:solidFill>
+                  <a:srgbClr val="000000"/>
+                </a:solidFill>
+                <a:sym typeface="+mn-ea"/>
+              </a:rPr>
+              <a:t>截至当前，数据接入平台在清洗转换上，已经支持以下数据操作：</a:t>
+            </a:r>
+            <a:endParaRPr lang="zh-CN" dirty="0" smtClean="0">
+              <a:solidFill>
+                <a:srgbClr val="000000"/>
+              </a:solidFill>
               <a:sym typeface="+mn-ea"/>
             </a:endParaRPr>
+          </a:p>
+          <a:p>
+            <a:pPr fontAlgn="auto">
+              <a:lnSpc>
+                <a:spcPct val="150000"/>
+              </a:lnSpc>
+            </a:pPr>
+            <a:endParaRPr lang="zh-CN"/>
+          </a:p>
+          <a:p>
+            <a:pPr fontAlgn="auto">
+              <a:lnSpc>
+                <a:spcPct val="150000"/>
+              </a:lnSpc>
+            </a:pPr>
+            <a:endParaRPr lang="zh-CN"/>
+          </a:p>
+          <a:p>
+            <a:pPr fontAlgn="auto">
+              <a:lnSpc>
+                <a:spcPct val="150000"/>
+              </a:lnSpc>
+            </a:pPr>
+            <a:endParaRPr lang="zh-CN"/>
+          </a:p>
+          <a:p>
+            <a:pPr fontAlgn="auto">
+              <a:lnSpc>
+                <a:spcPct val="150000"/>
+              </a:lnSpc>
+            </a:pPr>
+            <a:endParaRPr lang="zh-CN"/>
+          </a:p>
+          <a:p>
+            <a:pPr fontAlgn="auto">
+              <a:lnSpc>
+                <a:spcPct val="150000"/>
+              </a:lnSpc>
+            </a:pPr>
+            <a:endParaRPr lang="zh-CN"/>
+          </a:p>
+          <a:p>
+            <a:pPr fontAlgn="auto">
+              <a:lnSpc>
+                <a:spcPct val="150000"/>
+              </a:lnSpc>
+            </a:pPr>
+            <a:endParaRPr lang="zh-CN"/>
+          </a:p>
+          <a:p>
+            <a:pPr fontAlgn="auto">
+              <a:lnSpc>
+                <a:spcPct val="150000"/>
+              </a:lnSpc>
+            </a:pPr>
+            <a:endParaRPr lang="zh-CN"/>
+          </a:p>
+          <a:p>
+            <a:pPr fontAlgn="auto">
+              <a:lnSpc>
+                <a:spcPct val="150000"/>
+              </a:lnSpc>
+            </a:pPr>
+            <a:endParaRPr lang="zh-CN"/>
+          </a:p>
+          <a:p>
+            <a:pPr fontAlgn="auto">
+              <a:lnSpc>
+                <a:spcPct val="150000"/>
+              </a:lnSpc>
+            </a:pPr>
+            <a:endParaRPr lang="zh-CN"/>
+          </a:p>
+          <a:p>
+            <a:pPr fontAlgn="auto">
+              <a:lnSpc>
+                <a:spcPct val="150000"/>
+              </a:lnSpc>
+            </a:pPr>
+            <a:r>
+              <a:rPr lang="zh-CN" sz="1600"/>
+              <a:t>当前也许还存在着许多未尽事宜，但是坚信通过不断努力，不断地致力于优化和拓展数据接入平台的能力，不断追求数据接入平台的高效灵活实用，以更好地满足业务不断增长的需求。</a:t>
+            </a:r>
+            <a:endParaRPr lang="zh-CN" sz="1600"/>
+          </a:p>
+        </p:txBody>
+      </p:sp>
+      <p:pic>
+        <p:nvPicPr>
+          <p:cNvPr id="6" name="图片 5"/>
+          <p:cNvPicPr>
+            <a:picLocks noChangeAspect="1"/>
+          </p:cNvPicPr>
+          <p:nvPr/>
+        </p:nvPicPr>
+        <p:blipFill>
+          <a:blip r:embed="rId1"/>
+          <a:stretch>
+            <a:fillRect/>
+          </a:stretch>
+        </p:blipFill>
+        <p:spPr>
+          <a:xfrm>
+            <a:off x="1139825" y="1861185"/>
+            <a:ext cx="8686800" cy="3600450"/>
+          </a:xfrm>
+          <a:prstGeom prst="rect">
+            <a:avLst/>
+          </a:prstGeom>
+        </p:spPr>
+      </p:pic>
+    </p:spTree>
+  </p:cSld>
+  <p:clrMapOvr>
+    <a:masterClrMapping/>
+  </p:clrMapOvr>
+  <p:transition/>
+</p:sld>
+</file>
+
+<file path=ppt/slides/slide7.xml><?xml version="1.0" encoding="utf-8"?>
+<p:sld xmlns:a="http://schemas.openxmlformats.org/drawingml/2006/main" xmlns:r="http://schemas.openxmlformats.org/officeDocument/2006/relationships" xmlns:p="http://schemas.openxmlformats.org/presentationml/2006/main" show="0">
+  <p:cSld>
+    <p:spTree>
+      <p:nvGrpSpPr>
+        <p:cNvPr id="1" name=""/>
+        <p:cNvGrpSpPr/>
+        <p:nvPr/>
+      </p:nvGrpSpPr>
+      <p:grpSpPr>
+        <a:xfrm>
+          <a:off x="0" y="0"/>
+          <a:ext cx="0" cy="0"/>
+          <a:chOff x="0" y="0"/>
+          <a:chExt cx="0" cy="0"/>
+        </a:xfrm>
+      </p:grpSpPr>
+      <p:sp>
+        <p:nvSpPr>
+          <p:cNvPr id="8" name="灯片编号占位符 7"/>
+          <p:cNvSpPr>
+            <a:spLocks noGrp="1"/>
+          </p:cNvSpPr>
+          <p:nvPr>
+            <p:ph type="sldNum" sz="quarter" idx="12"/>
+          </p:nvPr>
+        </p:nvSpPr>
+        <p:spPr/>
+        <p:txBody>
+          <a:bodyPr/>
+          <a:lstStyle/>
+          <a:p>
+            <a:fld id="{8CE1EEF0-630E-4094-A099-5848D878594E}" type="slidenum">
+              <a:rPr lang="zh-CN" altLang="en-US" smtClean="0"/>
+            </a:fld>
+            <a:endParaRPr lang="zh-CN" altLang="en-US"/>
+          </a:p>
+        </p:txBody>
+      </p:sp>
+      <p:sp>
+        <p:nvSpPr>
+          <p:cNvPr id="2" name="文本框 1"/>
+          <p:cNvSpPr txBox="1"/>
+          <p:nvPr/>
+        </p:nvSpPr>
+        <p:spPr>
+          <a:xfrm>
+            <a:off x="425450" y="850265"/>
+            <a:ext cx="11371580" cy="5492750"/>
+          </a:xfrm>
+          <a:prstGeom prst="rect">
+            <a:avLst/>
+          </a:prstGeom>
+          <a:noFill/>
+        </p:spPr>
+        <p:txBody>
+          <a:bodyPr wrap="square" rtlCol="0" anchor="t">
+            <a:spAutoFit/>
+          </a:bodyPr>
+          <a:p>
+            <a:pPr fontAlgn="auto">
+              <a:lnSpc>
+                <a:spcPct val="150000"/>
+              </a:lnSpc>
+            </a:pPr>
+            <a:r>
+              <a:rPr lang="zh-CN" altLang="en-US" sz="2400" b="1" dirty="0" smtClean="0">
+                <a:solidFill>
+                  <a:srgbClr val="000000"/>
+                </a:solidFill>
+                <a:sym typeface="+mn-ea"/>
+              </a:rPr>
+              <a:t>一、工作总结方面：</a:t>
+            </a:r>
+            <a:endParaRPr lang="en-US" altLang="zh-CN" sz="2400" b="1" dirty="0" smtClean="0">
+              <a:solidFill>
+                <a:srgbClr val="000000"/>
+              </a:solidFill>
+            </a:endParaRPr>
+          </a:p>
+          <a:p>
+            <a:pPr fontAlgn="auto">
+              <a:lnSpc>
+                <a:spcPct val="150000"/>
+              </a:lnSpc>
+            </a:pPr>
+            <a:r>
+              <a:rPr lang="en-US" altLang="zh-CN" dirty="0" smtClean="0">
+                <a:solidFill>
+                  <a:srgbClr val="000000"/>
+                </a:solidFill>
+                <a:sym typeface="+mn-ea"/>
+              </a:rPr>
+              <a:t>     </a:t>
+            </a:r>
+            <a:r>
+              <a:rPr lang="zh-CN" dirty="0" smtClean="0">
+                <a:solidFill>
+                  <a:srgbClr val="000000"/>
+                </a:solidFill>
+                <a:sym typeface="+mn-ea"/>
+              </a:rPr>
+              <a:t>截至当前，除了公司</a:t>
+            </a:r>
+            <a:r>
+              <a:rPr lang="en-US" altLang="zh-CN" dirty="0" smtClean="0">
+                <a:solidFill>
+                  <a:srgbClr val="000000"/>
+                </a:solidFill>
+                <a:sym typeface="+mn-ea"/>
+              </a:rPr>
+              <a:t>SAAS</a:t>
+            </a:r>
+            <a:r>
+              <a:rPr lang="zh-CN" altLang="en-US" dirty="0" smtClean="0">
+                <a:solidFill>
+                  <a:srgbClr val="000000"/>
+                </a:solidFill>
+                <a:sym typeface="+mn-ea"/>
+              </a:rPr>
+              <a:t>系统，</a:t>
+            </a:r>
+            <a:r>
+              <a:rPr lang="zh-CN" dirty="0" smtClean="0">
+                <a:solidFill>
+                  <a:srgbClr val="000000"/>
+                </a:solidFill>
+                <a:sym typeface="+mn-ea"/>
+              </a:rPr>
+              <a:t>数据接入平台已投入使用或即将投入使用的项目有：</a:t>
+            </a:r>
+            <a:endParaRPr lang="zh-CN" dirty="0" smtClean="0">
+              <a:solidFill>
+                <a:srgbClr val="000000"/>
+              </a:solidFill>
+              <a:sym typeface="+mn-ea"/>
+            </a:endParaRPr>
+          </a:p>
+          <a:p>
+            <a:pPr fontAlgn="auto">
+              <a:lnSpc>
+                <a:spcPct val="150000"/>
+              </a:lnSpc>
+            </a:pPr>
+            <a:endParaRPr lang="zh-CN" dirty="0" smtClean="0">
+              <a:solidFill>
+                <a:srgbClr val="000000"/>
+              </a:solidFill>
+              <a:sym typeface="+mn-ea"/>
+            </a:endParaRPr>
+          </a:p>
+          <a:p>
+            <a:pPr fontAlgn="auto">
+              <a:lnSpc>
+                <a:spcPct val="150000"/>
+              </a:lnSpc>
+            </a:pPr>
+            <a:endParaRPr lang="zh-CN" dirty="0" smtClean="0">
+              <a:solidFill>
+                <a:srgbClr val="000000"/>
+              </a:solidFill>
+              <a:sym typeface="+mn-ea"/>
+            </a:endParaRPr>
+          </a:p>
+          <a:p>
+            <a:pPr fontAlgn="auto">
+              <a:lnSpc>
+                <a:spcPct val="150000"/>
+              </a:lnSpc>
+            </a:pPr>
+            <a:endParaRPr lang="zh-CN" dirty="0" smtClean="0">
+              <a:solidFill>
+                <a:srgbClr val="000000"/>
+              </a:solidFill>
+              <a:sym typeface="+mn-ea"/>
+            </a:endParaRPr>
+          </a:p>
+          <a:p>
+            <a:pPr fontAlgn="auto">
+              <a:lnSpc>
+                <a:spcPct val="150000"/>
+              </a:lnSpc>
+            </a:pPr>
+            <a:endParaRPr lang="zh-CN" dirty="0" smtClean="0">
+              <a:solidFill>
+                <a:srgbClr val="000000"/>
+              </a:solidFill>
+              <a:sym typeface="+mn-ea"/>
+            </a:endParaRPr>
+          </a:p>
+          <a:p>
+            <a:pPr fontAlgn="auto">
+              <a:lnSpc>
+                <a:spcPct val="150000"/>
+              </a:lnSpc>
+            </a:pPr>
+            <a:endParaRPr lang="zh-CN" dirty="0" smtClean="0">
+              <a:solidFill>
+                <a:srgbClr val="000000"/>
+              </a:solidFill>
+              <a:sym typeface="+mn-ea"/>
+            </a:endParaRPr>
+          </a:p>
+          <a:p>
+            <a:pPr fontAlgn="auto">
+              <a:lnSpc>
+                <a:spcPct val="150000"/>
+              </a:lnSpc>
+            </a:pPr>
+            <a:endParaRPr lang="zh-CN" dirty="0" smtClean="0">
+              <a:solidFill>
+                <a:srgbClr val="000000"/>
+              </a:solidFill>
+              <a:sym typeface="+mn-ea"/>
+            </a:endParaRPr>
+          </a:p>
+          <a:p>
+            <a:pPr fontAlgn="auto">
+              <a:lnSpc>
+                <a:spcPct val="150000"/>
+              </a:lnSpc>
+            </a:pPr>
+            <a:endParaRPr lang="zh-CN" dirty="0" smtClean="0">
+              <a:solidFill>
+                <a:srgbClr val="000000"/>
+              </a:solidFill>
+              <a:sym typeface="+mn-ea"/>
+            </a:endParaRPr>
+          </a:p>
+          <a:p>
+            <a:pPr fontAlgn="auto">
+              <a:lnSpc>
+                <a:spcPct val="150000"/>
+              </a:lnSpc>
+            </a:pPr>
+            <a:endParaRPr lang="zh-CN" dirty="0" smtClean="0">
+              <a:solidFill>
+                <a:srgbClr val="000000"/>
+              </a:solidFill>
+              <a:sym typeface="+mn-ea"/>
+            </a:endParaRPr>
+          </a:p>
+          <a:p>
+            <a:pPr fontAlgn="auto">
+              <a:lnSpc>
+                <a:spcPct val="150000"/>
+              </a:lnSpc>
+            </a:pPr>
+            <a:endParaRPr lang="zh-CN" sz="1600"/>
+          </a:p>
+          <a:p>
+            <a:pPr fontAlgn="auto">
+              <a:lnSpc>
+                <a:spcPct val="150000"/>
+              </a:lnSpc>
+            </a:pPr>
+            <a:r>
+              <a:rPr lang="zh-CN" sz="1600"/>
+              <a:t>随着接入项目的增加，对于数据接入平台而言，这既是一个挑战，也是一个机遇。必将持续改进和扩展数据接入的服务，以满足未来可能出现的需求，并保持坚持不懈的态度，与各个项目共同成长。</a:t>
+            </a:r>
+            <a:endParaRPr lang="zh-CN" sz="1600"/>
+          </a:p>
+        </p:txBody>
+      </p:sp>
+      <p:pic>
+        <p:nvPicPr>
+          <p:cNvPr id="3" name="图片 2"/>
+          <p:cNvPicPr>
+            <a:picLocks noChangeAspect="1"/>
+          </p:cNvPicPr>
+          <p:nvPr/>
+        </p:nvPicPr>
+        <p:blipFill>
+          <a:blip r:embed="rId1"/>
+          <a:stretch>
+            <a:fillRect/>
+          </a:stretch>
+        </p:blipFill>
+        <p:spPr>
+          <a:xfrm>
+            <a:off x="2376170" y="2054860"/>
+            <a:ext cx="6362700" cy="3286125"/>
+          </a:xfrm>
+          <a:prstGeom prst="rect">
+            <a:avLst/>
+          </a:prstGeom>
+        </p:spPr>
+      </p:pic>
+    </p:spTree>
+  </p:cSld>
+  <p:clrMapOvr>
+    <a:masterClrMapping/>
+  </p:clrMapOvr>
+  <p:transition/>
+</p:sld>
+</file>
+
+<file path=ppt/slides/slide8.xml><?xml version="1.0" encoding="utf-8"?>
+<p:sld xmlns:a="http://schemas.openxmlformats.org/drawingml/2006/main" xmlns:r="http://schemas.openxmlformats.org/officeDocument/2006/relationships" xmlns:p="http://schemas.openxmlformats.org/presentationml/2006/main" show="0">
+  <p:cSld>
+    <p:spTree>
+      <p:nvGrpSpPr>
+        <p:cNvPr id="1" name=""/>
+        <p:cNvGrpSpPr/>
+        <p:nvPr/>
+      </p:nvGrpSpPr>
+      <p:grpSpPr>
+        <a:xfrm>
+          <a:off x="0" y="0"/>
+          <a:ext cx="0" cy="0"/>
+          <a:chOff x="0" y="0"/>
+          <a:chExt cx="0" cy="0"/>
+        </a:xfrm>
+      </p:grpSpPr>
+      <p:sp>
+        <p:nvSpPr>
+          <p:cNvPr id="8" name="灯片编号占位符 7"/>
+          <p:cNvSpPr>
+            <a:spLocks noGrp="1"/>
+          </p:cNvSpPr>
+          <p:nvPr>
+            <p:ph type="sldNum" sz="quarter" idx="12"/>
+          </p:nvPr>
+        </p:nvSpPr>
+        <p:spPr/>
+        <p:txBody>
+          <a:bodyPr/>
+          <a:lstStyle/>
+          <a:p>
+            <a:fld id="{8CE1EEF0-630E-4094-A099-5848D878594E}" type="slidenum">
+              <a:rPr lang="zh-CN" altLang="en-US" smtClean="0"/>
+            </a:fld>
+            <a:endParaRPr lang="zh-CN" altLang="en-US"/>
+          </a:p>
+        </p:txBody>
+      </p:sp>
+      <p:sp>
+        <p:nvSpPr>
+          <p:cNvPr id="2" name="文本框 1"/>
+          <p:cNvSpPr txBox="1"/>
+          <p:nvPr/>
+        </p:nvSpPr>
+        <p:spPr>
+          <a:xfrm>
+            <a:off x="425450" y="850265"/>
+            <a:ext cx="11371580" cy="5492750"/>
+          </a:xfrm>
+          <a:prstGeom prst="rect">
+            <a:avLst/>
+          </a:prstGeom>
+          <a:noFill/>
+        </p:spPr>
+        <p:txBody>
+          <a:bodyPr wrap="square" rtlCol="0" anchor="t">
+            <a:spAutoFit/>
+          </a:bodyPr>
+          <a:p>
+            <a:pPr fontAlgn="auto">
+              <a:lnSpc>
+                <a:spcPct val="150000"/>
+              </a:lnSpc>
+            </a:pPr>
+            <a:r>
+              <a:rPr lang="zh-CN" altLang="en-US" sz="2400" b="1" dirty="0" smtClean="0">
+                <a:solidFill>
+                  <a:srgbClr val="000000"/>
+                </a:solidFill>
+                <a:sym typeface="+mn-ea"/>
+              </a:rPr>
+              <a:t>一、工作总结方面：</a:t>
+            </a:r>
+            <a:endParaRPr lang="en-US" altLang="zh-CN" sz="2400" b="1" dirty="0" smtClean="0">
+              <a:solidFill>
+                <a:srgbClr val="000000"/>
+              </a:solidFill>
+            </a:endParaRPr>
+          </a:p>
+          <a:p>
+            <a:pPr fontAlgn="auto">
+              <a:lnSpc>
+                <a:spcPct val="150000"/>
+              </a:lnSpc>
+            </a:pPr>
+            <a:r>
+              <a:rPr lang="en-US" altLang="zh-CN" dirty="0" smtClean="0">
+                <a:solidFill>
+                  <a:srgbClr val="000000"/>
+                </a:solidFill>
+                <a:sym typeface="+mn-ea"/>
+              </a:rPr>
+              <a:t>     2</a:t>
+            </a:r>
+            <a:r>
+              <a:rPr lang="zh-CN" altLang="en-US" dirty="0" smtClean="0">
+                <a:solidFill>
+                  <a:srgbClr val="000000"/>
+                </a:solidFill>
+                <a:sym typeface="+mn-ea"/>
+              </a:rPr>
+              <a:t>、本年度内工作开展所形成的经验总结，及后续的改进措施；</a:t>
+            </a:r>
+            <a:endParaRPr lang="zh-CN" altLang="en-US" dirty="0" smtClean="0">
+              <a:solidFill>
+                <a:srgbClr val="000000"/>
+              </a:solidFill>
+              <a:sym typeface="+mn-ea"/>
+            </a:endParaRPr>
+          </a:p>
+          <a:p>
+            <a:pPr marL="285750" indent="-285750" fontAlgn="auto">
+              <a:lnSpc>
+                <a:spcPct val="150000"/>
+              </a:lnSpc>
+              <a:buFont typeface="Arial" panose="020B0604020202020204" pitchFamily="34" charset="0"/>
+              <a:buChar char="•"/>
+            </a:pPr>
+            <a:r>
+              <a:rPr lang="zh-CN" altLang="en-US" sz="1600" b="1"/>
+              <a:t>经验总结：</a:t>
+            </a:r>
+            <a:endParaRPr lang="zh-CN" altLang="en-US" sz="1600"/>
+          </a:p>
+          <a:p>
+            <a:pPr marL="342900" indent="-342900" fontAlgn="auto">
+              <a:lnSpc>
+                <a:spcPct val="150000"/>
+              </a:lnSpc>
+              <a:buAutoNum type="arabicPeriod"/>
+            </a:pPr>
+            <a:r>
+              <a:rPr lang="zh-CN" altLang="en-US" sz="1600"/>
+              <a:t>异常情况处理：在开发过程中充分考虑各种异常情况，如网络故障、数据格式错误、中间件异常等等突发情况，制定相应的异常处理策略，保证系统的稳定性和可靠性。</a:t>
+            </a:r>
+            <a:endParaRPr lang="zh-CN" altLang="en-US" sz="1600"/>
+          </a:p>
+          <a:p>
+            <a:pPr marL="342900" indent="-342900" fontAlgn="auto">
+              <a:lnSpc>
+                <a:spcPct val="150000"/>
+              </a:lnSpc>
+              <a:buAutoNum type="arabicPeriod"/>
+            </a:pPr>
+            <a:r>
+              <a:rPr lang="zh-CN" altLang="en-US" sz="1600"/>
+              <a:t>接口设计和文档：在开发过程中，注重接口的设计和文档编写，清晰地定义数据接入方式、参数和返回结果，方便其他团队或系统集成使用。</a:t>
+            </a:r>
+            <a:endParaRPr lang="zh-CN" altLang="en-US" sz="1600"/>
+          </a:p>
+          <a:p>
+            <a:pPr marL="342900" indent="-342900" fontAlgn="auto">
+              <a:lnSpc>
+                <a:spcPct val="150000"/>
+              </a:lnSpc>
+              <a:buAutoNum type="arabicPeriod"/>
+            </a:pPr>
+            <a:r>
+              <a:rPr lang="zh-CN" altLang="en-US" sz="1600"/>
+              <a:t>技术沉淀：在项目中积累了大量的技术沉淀，包括幂等，防重复消费，回调监听、多数据源事务，动态表头、接口缓存等等，</a:t>
+            </a:r>
+            <a:r>
+              <a:rPr sz="1600"/>
+              <a:t>如Kafka参数调优不仅提升了数据接入平台稳定性，还为数据同步服务提供了参数模板，使之更为稳定。</a:t>
+            </a:r>
+            <a:endParaRPr sz="1600"/>
+          </a:p>
+          <a:p>
+            <a:pPr marL="285750" indent="-285750" fontAlgn="auto">
+              <a:lnSpc>
+                <a:spcPct val="150000"/>
+              </a:lnSpc>
+              <a:buFont typeface="Arial" panose="020B0604020202020204" pitchFamily="34" charset="0"/>
+              <a:buChar char="•"/>
+            </a:pPr>
+            <a:r>
+              <a:rPr lang="zh-CN" altLang="en-US" sz="1600" b="1"/>
+              <a:t>改进措施：</a:t>
+            </a:r>
+            <a:endParaRPr lang="zh-CN" altLang="en-US" sz="1600"/>
+          </a:p>
+          <a:p>
+            <a:pPr marL="342900" indent="-342900" fontAlgn="auto">
+              <a:lnSpc>
+                <a:spcPct val="150000"/>
+              </a:lnSpc>
+              <a:buAutoNum type="arabicPeriod"/>
+            </a:pPr>
+            <a:r>
+              <a:rPr lang="zh-CN" altLang="en-US" sz="1600"/>
+              <a:t>增加监控和报警机制：在数据接入平台中加入监控和报警机制，及时发现和处理异常情况，保证数据接入的稳定性和可靠性。</a:t>
+            </a:r>
+            <a:endParaRPr lang="zh-CN" altLang="en-US" sz="1600"/>
+          </a:p>
+          <a:p>
+            <a:pPr marL="342900" indent="-342900" fontAlgn="auto">
+              <a:lnSpc>
+                <a:spcPct val="150000"/>
+              </a:lnSpc>
+              <a:buAutoNum type="arabicPeriod"/>
+            </a:pPr>
+            <a:r>
+              <a:rPr lang="zh-CN" altLang="en-US" sz="1600"/>
+              <a:t>积极复盘：对项目开发流程进行回顾和总结，找出存在的问题并提出改进建议，以提高项目开发效率和质量。</a:t>
+            </a:r>
+            <a:endParaRPr lang="zh-CN" altLang="en-US" sz="1600"/>
+          </a:p>
+          <a:p>
+            <a:pPr marL="342900" indent="-342900" fontAlgn="auto">
+              <a:lnSpc>
+                <a:spcPct val="150000"/>
+              </a:lnSpc>
+              <a:buAutoNum type="arabicPeriod"/>
+            </a:pPr>
+            <a:r>
+              <a:rPr lang="zh-CN" altLang="en-US" sz="1600">
+                <a:sym typeface="+mn-ea"/>
+              </a:rPr>
+              <a:t>持续学习：及时跟进最新的技术发展动态，保持对新技术的敏感度，不断提升自身的专业水平。</a:t>
+            </a:r>
+            <a:endParaRPr lang="zh-CN" altLang="en-US" sz="1600"/>
+          </a:p>
+        </p:txBody>
+      </p:sp>
+    </p:spTree>
+  </p:cSld>
+  <p:clrMapOvr>
+    <a:masterClrMapping/>
+  </p:clrMapOvr>
+  <p:transition/>
+</p:sld>
+</file>
+
+<file path=ppt/slides/slide9.xml><?xml version="1.0" encoding="utf-8"?>
+<p:sld xmlns:a="http://schemas.openxmlformats.org/drawingml/2006/main" xmlns:r="http://schemas.openxmlformats.org/officeDocument/2006/relationships" xmlns:p="http://schemas.openxmlformats.org/presentationml/2006/main" show="0">
+  <p:cSld>
+    <p:spTree>
+      <p:nvGrpSpPr>
+        <p:cNvPr id="1" name=""/>
+        <p:cNvGrpSpPr/>
+        <p:nvPr/>
+      </p:nvGrpSpPr>
+      <p:grpSpPr>
+        <a:xfrm>
+          <a:off x="0" y="0"/>
+          <a:ext cx="0" cy="0"/>
+          <a:chOff x="0" y="0"/>
+          <a:chExt cx="0" cy="0"/>
+        </a:xfrm>
+      </p:grpSpPr>
+      <p:sp>
+        <p:nvSpPr>
+          <p:cNvPr id="8" name="灯片编号占位符 7"/>
+          <p:cNvSpPr>
+            <a:spLocks noGrp="1"/>
+          </p:cNvSpPr>
+          <p:nvPr>
+            <p:ph type="sldNum" sz="quarter" idx="12"/>
+          </p:nvPr>
+        </p:nvSpPr>
+        <p:spPr/>
+        <p:txBody>
+          <a:bodyPr/>
+          <a:lstStyle/>
+          <a:p>
+            <a:fld id="{8CE1EEF0-630E-4094-A099-5848D878594E}" type="slidenum">
+              <a:rPr lang="zh-CN" altLang="en-US" smtClean="0"/>
+            </a:fld>
+            <a:endParaRPr lang="zh-CN" altLang="en-US"/>
+          </a:p>
+        </p:txBody>
+      </p:sp>
+      <p:sp>
+        <p:nvSpPr>
+          <p:cNvPr id="2" name="文本框 1"/>
+          <p:cNvSpPr txBox="1"/>
+          <p:nvPr/>
+        </p:nvSpPr>
+        <p:spPr>
+          <a:xfrm>
+            <a:off x="453390" y="850265"/>
+            <a:ext cx="11343005" cy="2461260"/>
+          </a:xfrm>
+          <a:prstGeom prst="rect">
+            <a:avLst/>
+          </a:prstGeom>
+          <a:noFill/>
+        </p:spPr>
+        <p:txBody>
+          <a:bodyPr wrap="square" rtlCol="0" anchor="t">
+            <a:spAutoFit/>
+          </a:bodyPr>
+          <a:p>
+            <a:pPr fontAlgn="auto">
+              <a:lnSpc>
+                <a:spcPct val="150000"/>
+              </a:lnSpc>
+            </a:pPr>
+            <a:r>
+              <a:rPr lang="zh-CN" altLang="en-US" sz="2400" b="1" dirty="0" smtClean="0">
+                <a:solidFill>
+                  <a:srgbClr val="000000"/>
+                </a:solidFill>
+                <a:sym typeface="+mn-ea"/>
+              </a:rPr>
+              <a:t>一、工作总结方面：</a:t>
+            </a:r>
+            <a:endParaRPr lang="en-US" altLang="zh-CN" sz="2400" b="1" dirty="0" smtClean="0">
+              <a:solidFill>
+                <a:srgbClr val="000000"/>
+              </a:solidFill>
+            </a:endParaRPr>
+          </a:p>
+          <a:p>
+            <a:pPr fontAlgn="auto">
+              <a:lnSpc>
+                <a:spcPct val="150000"/>
+              </a:lnSpc>
+            </a:pPr>
+            <a:r>
+              <a:rPr lang="en-US" altLang="zh-CN" dirty="0" smtClean="0">
+                <a:solidFill>
+                  <a:srgbClr val="000000"/>
+                </a:solidFill>
+                <a:sym typeface="+mn-ea"/>
+              </a:rPr>
+              <a:t>    3</a:t>
+            </a:r>
+            <a:r>
+              <a:rPr lang="zh-CN" altLang="en-US" dirty="0" smtClean="0">
+                <a:solidFill>
+                  <a:srgbClr val="000000"/>
+                </a:solidFill>
+                <a:sym typeface="+mn-ea"/>
+              </a:rPr>
+              <a:t>、聚焦部门和岗位工作，对公司或部门的建议；</a:t>
+            </a:r>
+            <a:endParaRPr lang="zh-CN" altLang="en-US" dirty="0" smtClean="0">
+              <a:solidFill>
+                <a:srgbClr val="000000"/>
+              </a:solidFill>
+              <a:sym typeface="+mn-ea"/>
+            </a:endParaRPr>
+          </a:p>
+          <a:p>
+            <a:pPr fontAlgn="auto">
+              <a:lnSpc>
+                <a:spcPct val="150000"/>
+              </a:lnSpc>
+            </a:pPr>
+            <a:endParaRPr lang="zh-CN" altLang="en-US"/>
+          </a:p>
+          <a:p>
+            <a:pPr marL="742950" lvl="1" indent="-285750" algn="l">
+              <a:lnSpc>
+                <a:spcPct val="150000"/>
+              </a:lnSpc>
+              <a:spcBef>
+                <a:spcPts val="1200"/>
+              </a:spcBef>
+              <a:buClrTx/>
+              <a:buSzTx/>
+              <a:buFont typeface="Arial" panose="020B0604020202020204" pitchFamily="34" charset="0"/>
+              <a:buChar char="•"/>
+            </a:pPr>
+            <a:r>
+              <a:rPr lang="en-US" altLang="zh-CN" dirty="0" smtClean="0">
+                <a:solidFill>
+                  <a:srgbClr val="000000"/>
+                </a:solidFill>
+                <a:sym typeface="+mn-ea"/>
+              </a:rPr>
+              <a:t>希望公司可以越来越好，为员工谋取更多福利。如条件允许，希望能够为员工组织健康体检。</a:t>
+            </a:r>
+            <a:endParaRPr lang="en-US" altLang="zh-CN" dirty="0" smtClean="0">
+              <a:solidFill>
+                <a:srgbClr val="000000"/>
+              </a:solidFill>
+              <a:sym typeface="+mn-ea"/>
+            </a:endParaRPr>
+          </a:p>
+          <a:p>
+            <a:pPr fontAlgn="auto">
+              <a:lnSpc>
+                <a:spcPct val="150000"/>
+              </a:lnSpc>
+            </a:pPr>
+            <a:endParaRPr lang="zh-CN" altLang="en-US"/>
           </a:p>
         </p:txBody>
       </p:sp>
@@ -2974,8 +4995,55 @@
 
 <file path=ppt/tags/tag4.xml><?xml version="1.0" encoding="utf-8"?>
 <p:tagLst xmlns:p="http://schemas.openxmlformats.org/presentationml/2006/main">
+  <p:tag name="KSO_WM_UNIT_HIGHLIGHT" val="0"/>
+  <p:tag name="KSO_WM_UNIT_COMPATIBLE" val="0"/>
+  <p:tag name="KSO_WM_UNIT_DIAGRAM_ISNUMVISUAL" val="0"/>
+  <p:tag name="KSO_WM_UNIT_DIAGRAM_ISREFERUNIT" val="0"/>
+  <p:tag name="KSO_WM_UNIT_ID" val="_7**"/>
+  <p:tag name="KSO_WM_UNIT_LAYERLEVEL" val="1"/>
+  <p:tag name="KSO_WM_TAG_VERSION" val="1.0"/>
+  <p:tag name="KSO_WM_BEAUTIFY_FLAG" val="#wm#"/>
+</p:tagLst>
+</file>
+
+<file path=ppt/tags/tag5.xml><?xml version="1.0" encoding="utf-8"?>
+<p:tagLst xmlns:p="http://schemas.openxmlformats.org/presentationml/2006/main">
+  <p:tag name="KSO_WM_UNIT_HIGHLIGHT" val="0"/>
+  <p:tag name="KSO_WM_UNIT_COMPATIBLE" val="0"/>
+  <p:tag name="KSO_WM_UNIT_DIAGRAM_ISNUMVISUAL" val="0"/>
+  <p:tag name="KSO_WM_UNIT_DIAGRAM_ISREFERUNIT" val="0"/>
+  <p:tag name="KSO_WM_UNIT_ID" val="_7**"/>
+  <p:tag name="KSO_WM_UNIT_LAYERLEVEL" val="1"/>
+  <p:tag name="KSO_WM_TAG_VERSION" val="1.0"/>
+  <p:tag name="KSO_WM_BEAUTIFY_FLAG" val="#wm#"/>
+</p:tagLst>
+</file>
+
+<file path=ppt/tags/tag6.xml><?xml version="1.0" encoding="utf-8"?>
+<p:tagLst xmlns:p="http://schemas.openxmlformats.org/presentationml/2006/main">
+  <p:tag name="KSO_WM_UNIT_HIGHLIGHT" val="0"/>
+  <p:tag name="KSO_WM_UNIT_COMPATIBLE" val="0"/>
+  <p:tag name="KSO_WM_UNIT_DIAGRAM_ISNUMVISUAL" val="0"/>
+  <p:tag name="KSO_WM_UNIT_DIAGRAM_ISREFERUNIT" val="0"/>
+  <p:tag name="KSO_WM_UNIT_ID" val="_7**"/>
+  <p:tag name="KSO_WM_UNIT_LAYERLEVEL" val="1"/>
+  <p:tag name="KSO_WM_TAG_VERSION" val="1.0"/>
+  <p:tag name="KSO_WM_BEAUTIFY_FLAG" val="#wm#"/>
+</p:tagLst>
+</file>
+
+<file path=ppt/tags/tag7.xml><?xml version="1.0" encoding="utf-8"?>
+<p:tagLst xmlns:p="http://schemas.openxmlformats.org/presentationml/2006/main">
+  <p:tag name="KSO_WM_BEAUTIFY_FLAG" val=""/>
+</p:tagLst>
+</file>
+
+<file path=ppt/tags/tag8.xml><?xml version="1.0" encoding="utf-8"?>
+<p:tagLst xmlns:p="http://schemas.openxmlformats.org/presentationml/2006/main">
   <p:tag name="KSO_WPP_MARK_KEY" val="d50dd806-35cb-4cf0-a3ba-61d6a1b6c6c0"/>
   <p:tag name="COMMONDATA" val="eyJoZGlkIjoiNzhiMTBmYjAxNWFlNTgwZDEzY2RmMjAzODkxNmJjMTAifQ=="/>
+  <p:tag name="commondata" val="eyJoZGlkIjoiMjQ5NTM3N2IxOTc1MGYxNTE3NWNlMTRmNGU1ZTQ0MGUifQ=="/>
+  <p:tag name="resource_record_key" val="{&quot;70&quot;:[3312668,3312363,3312239,3315344,3312318]}"/>
 </p:tagLst>
 </file>
 
